--- a/Bridging_the_gap.pptx
+++ b/Bridging_the_gap.pptx
@@ -4,18 +4,17 @@
   <p:sldMasterIdLst>
     <p:sldMasterId id="2147483648" r:id="rId2"/>
     <p:sldMasterId id="2147483661" r:id="rId3"/>
-    <p:sldMasterId id="2147483674" r:id="rId4"/>
   </p:sldMasterIdLst>
   <p:notesMasterIdLst>
-    <p:notesMasterId r:id="rId5"/>
+    <p:notesMasterId r:id="rId4"/>
   </p:notesMasterIdLst>
   <p:sldIdLst>
-    <p:sldId id="256" r:id="rId6"/>
-    <p:sldId id="257" r:id="rId7"/>
-    <p:sldId id="258" r:id="rId8"/>
-    <p:sldId id="259" r:id="rId9"/>
-    <p:sldId id="260" r:id="rId10"/>
-    <p:sldId id="261" r:id="rId11"/>
+    <p:sldId id="256" r:id="rId5"/>
+    <p:sldId id="257" r:id="rId6"/>
+    <p:sldId id="258" r:id="rId7"/>
+    <p:sldId id="259" r:id="rId8"/>
+    <p:sldId id="260" r:id="rId9"/>
+    <p:sldId id="261" r:id="rId10"/>
   </p:sldIdLst>
   <p:sldSz cx="10080625" cy="7559675"/>
   <p:notesSz cx="7559675" cy="10691812"/>
@@ -41,7 +40,7 @@
       </p:grpSpPr>
       <p:sp>
         <p:nvSpPr>
-          <p:cNvPr id="124" name="PlaceHolder 1"/>
+          <p:cNvPr id="76" name="PlaceHolder 1"/>
           <p:cNvSpPr>
             <a:spLocks noGrp="1"/>
           </p:cNvSpPr>
@@ -51,8 +50,8 @@
         </p:nvSpPr>
         <p:spPr>
           <a:xfrm>
-            <a:off x="1107000" y="812520"/>
-            <a:ext cx="5345280" cy="4008960"/>
+            <a:off x="533520" y="764280"/>
+            <a:ext cx="6704640" cy="3771360"/>
           </a:xfrm>
           <a:prstGeom prst="rect">
             <a:avLst/>
@@ -63,27 +62,22 @@
             <a:noAutofit/>
           </a:bodyPr>
           <a:p>
+            <a:pPr algn="ctr"/>
             <a:r>
-              <a:rPr b="0" lang="en-US" sz="4000" spc="-1" strike="noStrike">
-                <a:solidFill>
-                  <a:srgbClr val="ffffff"/>
-                </a:solidFill>
+              <a:rPr b="0" lang="en-US" sz="4400" spc="-1" strike="noStrike">
                 <a:latin typeface="Arial"/>
               </a:rPr>
               <a:t>Click to move the slide</a:t>
             </a:r>
-            <a:endParaRPr b="0" lang="en-US" sz="4000" spc="-1" strike="noStrike">
-              <a:solidFill>
-                <a:srgbClr val="ffffff"/>
-              </a:solidFill>
-              <a:latin typeface="Arial"/>
-            </a:endParaRPr>
-          </a:p>
-        </p:txBody>
-      </p:sp>
-      <p:sp>
-        <p:nvSpPr>
-          <p:cNvPr id="125" name="PlaceHolder 2"/>
+            <a:endParaRPr b="0" lang="en-US" sz="4400" spc="-1" strike="noStrike">
+              <a:latin typeface="Arial"/>
+            </a:endParaRPr>
+          </a:p>
+        </p:txBody>
+      </p:sp>
+      <p:sp>
+        <p:nvSpPr>
+          <p:cNvPr id="77" name="PlaceHolder 2"/>
           <p:cNvSpPr>
             <a:spLocks noGrp="1"/>
           </p:cNvSpPr>
@@ -93,8 +87,8 @@
         </p:nvSpPr>
         <p:spPr>
           <a:xfrm>
-            <a:off x="756000" y="5078520"/>
-            <a:ext cx="6047640" cy="4811040"/>
+            <a:off x="777240" y="4777560"/>
+            <a:ext cx="6217560" cy="4525920"/>
           </a:xfrm>
           <a:prstGeom prst="rect">
             <a:avLst/>
@@ -119,7 +113,7 @@
       </p:sp>
       <p:sp>
         <p:nvSpPr>
-          <p:cNvPr id="126" name="PlaceHolder 3"/>
+          <p:cNvPr id="78" name="PlaceHolder 3"/>
           <p:cNvSpPr>
             <a:spLocks noGrp="1"/>
           </p:cNvSpPr>
@@ -130,14 +124,14 @@
         <p:spPr>
           <a:xfrm>
             <a:off x="0" y="0"/>
-            <a:ext cx="3280680" cy="534240"/>
-          </a:xfrm>
-          <a:prstGeom prst="rect">
-            <a:avLst/>
-          </a:prstGeom>
-        </p:spPr>
-        <p:txBody>
-          <a:bodyPr lIns="0" rIns="0" tIns="0" bIns="0" anchor="b">
+            <a:ext cx="3372840" cy="502560"/>
+          </a:xfrm>
+          <a:prstGeom prst="rect">
+            <a:avLst/>
+          </a:prstGeom>
+        </p:spPr>
+        <p:txBody>
+          <a:bodyPr lIns="0" rIns="0" tIns="0" bIns="0">
             <a:noAutofit/>
           </a:bodyPr>
           <a:p>
@@ -145,7 +139,7 @@
               <a:rPr b="0" lang="en-US" sz="1400" spc="-1" strike="noStrike">
                 <a:latin typeface="Times New Roman"/>
               </a:rPr>
-              <a:t>&lt;header&gt;</a:t>
+              <a:t> </a:t>
             </a:r>
             <a:endParaRPr b="0" lang="en-US" sz="1400" spc="-1" strike="noStrike">
               <a:latin typeface="Times New Roman"/>
@@ -155,7 +149,7 @@
       </p:sp>
       <p:sp>
         <p:nvSpPr>
-          <p:cNvPr id="127" name="PlaceHolder 4"/>
+          <p:cNvPr id="79" name="PlaceHolder 4"/>
           <p:cNvSpPr>
             <a:spLocks noGrp="1"/>
           </p:cNvSpPr>
@@ -165,15 +159,15 @@
         </p:nvSpPr>
         <p:spPr>
           <a:xfrm>
-            <a:off x="4278960" y="0"/>
-            <a:ext cx="3280680" cy="534240"/>
-          </a:xfrm>
-          <a:prstGeom prst="rect">
-            <a:avLst/>
-          </a:prstGeom>
-        </p:spPr>
-        <p:txBody>
-          <a:bodyPr lIns="0" rIns="0" tIns="0" bIns="0" anchor="b">
+            <a:off x="4399200" y="0"/>
+            <a:ext cx="3372840" cy="502560"/>
+          </a:xfrm>
+          <a:prstGeom prst="rect">
+            <a:avLst/>
+          </a:prstGeom>
+        </p:spPr>
+        <p:txBody>
+          <a:bodyPr lIns="0" rIns="0" tIns="0" bIns="0">
             <a:noAutofit/>
           </a:bodyPr>
           <a:p>
@@ -182,7 +176,7 @@
               <a:rPr b="0" lang="en-US" sz="1400" spc="-1" strike="noStrike">
                 <a:latin typeface="Times New Roman"/>
               </a:rPr>
-              <a:t>&lt;date/time&gt;</a:t>
+              <a:t> </a:t>
             </a:r>
             <a:endParaRPr b="0" lang="en-US" sz="1400" spc="-1" strike="noStrike">
               <a:latin typeface="Times New Roman"/>
@@ -192,7 +186,7 @@
       </p:sp>
       <p:sp>
         <p:nvSpPr>
-          <p:cNvPr id="128" name="PlaceHolder 5"/>
+          <p:cNvPr id="80" name="PlaceHolder 5"/>
           <p:cNvSpPr>
             <a:spLocks noGrp="1"/>
           </p:cNvSpPr>
@@ -202,8 +196,8 @@
         </p:nvSpPr>
         <p:spPr>
           <a:xfrm>
-            <a:off x="0" y="10157400"/>
-            <a:ext cx="3280680" cy="534240"/>
+            <a:off x="0" y="9555480"/>
+            <a:ext cx="3372840" cy="502560"/>
           </a:xfrm>
           <a:prstGeom prst="rect">
             <a:avLst/>
@@ -218,7 +212,7 @@
               <a:rPr b="0" lang="en-US" sz="1400" spc="-1" strike="noStrike">
                 <a:latin typeface="Times New Roman"/>
               </a:rPr>
-              <a:t>&lt;footer&gt;</a:t>
+              <a:t> </a:t>
             </a:r>
             <a:endParaRPr b="0" lang="en-US" sz="1400" spc="-1" strike="noStrike">
               <a:latin typeface="Times New Roman"/>
@@ -228,7 +222,7 @@
       </p:sp>
       <p:sp>
         <p:nvSpPr>
-          <p:cNvPr id="129" name="PlaceHolder 6"/>
+          <p:cNvPr id="81" name="PlaceHolder 6"/>
           <p:cNvSpPr>
             <a:spLocks noGrp="1"/>
           </p:cNvSpPr>
@@ -238,8 +232,8 @@
         </p:nvSpPr>
         <p:spPr>
           <a:xfrm>
-            <a:off x="4278960" y="10157400"/>
-            <a:ext cx="3280680" cy="534240"/>
+            <a:off x="4399200" y="9555480"/>
+            <a:ext cx="3372840" cy="502560"/>
           </a:xfrm>
           <a:prstGeom prst="rect">
             <a:avLst/>
@@ -251,11 +245,11 @@
           </a:bodyPr>
           <a:p>
             <a:pPr algn="r"/>
-            <a:fld id="{5C96580C-98F5-4CF7-96FF-6346D4179A72}" type="slidenum">
+            <a:fld id="{37E7F164-7227-487D-ABB9-51738209B18F}" type="slidenum">
               <a:rPr b="0" lang="en-US" sz="1400" spc="-1" strike="noStrike">
                 <a:latin typeface="Times New Roman"/>
               </a:rPr>
-              <a:t>&lt;number&gt;</a:t>
+              <a:t>1</a:t>
             </a:fld>
             <a:endParaRPr b="0" lang="en-US" sz="1400" spc="-1" strike="noStrike">
               <a:latin typeface="Times New Roman"/>
@@ -288,7 +282,7 @@
       </p:grpSpPr>
       <p:sp>
         <p:nvSpPr>
-          <p:cNvPr id="142" name="PlaceHolder 1"/>
+          <p:cNvPr id="94" name="PlaceHolder 1"/>
           <p:cNvSpPr>
             <a:spLocks noGrp="1"/>
           </p:cNvSpPr>
@@ -299,16 +293,16 @@
         <p:spPr>
           <a:xfrm>
             <a:off x="1107000" y="812520"/>
-            <a:ext cx="5345280" cy="4008960"/>
-          </a:xfrm>
-          <a:prstGeom prst="rect">
-            <a:avLst/>
-          </a:prstGeom>
-        </p:spPr>
-      </p:sp>
-      <p:sp>
-        <p:nvSpPr>
-          <p:cNvPr id="143" name="PlaceHolder 2"/>
+            <a:ext cx="5344920" cy="4008600"/>
+          </a:xfrm>
+          <a:prstGeom prst="rect">
+            <a:avLst/>
+          </a:prstGeom>
+        </p:spPr>
+      </p:sp>
+      <p:sp>
+        <p:nvSpPr>
+          <p:cNvPr id="95" name="PlaceHolder 2"/>
           <p:cNvSpPr>
             <a:spLocks noGrp="1"/>
           </p:cNvSpPr>
@@ -319,7 +313,7 @@
         <p:spPr>
           <a:xfrm>
             <a:off x="756000" y="5078520"/>
-            <a:ext cx="6047640" cy="4811040"/>
+            <a:ext cx="6047280" cy="4811040"/>
           </a:xfrm>
           <a:prstGeom prst="rect">
             <a:avLst/>
@@ -330,6 +324,11 @@
             <a:spAutoFit/>
           </a:bodyPr>
           <a:p>
+            <a:pPr marL="216000" indent="-216000">
+              <a:lnSpc>
+                <a:spcPct val="100000"/>
+              </a:lnSpc>
+            </a:pPr>
             <a:r>
               <a:rPr b="0" lang="en-US" sz="2000" spc="-1" strike="noStrike">
                 <a:latin typeface="Arial"/>
@@ -366,7 +365,7 @@
       </p:grpSpPr>
       <p:sp>
         <p:nvSpPr>
-          <p:cNvPr id="144" name="PlaceHolder 1"/>
+          <p:cNvPr id="96" name="PlaceHolder 1"/>
           <p:cNvSpPr>
             <a:spLocks noGrp="1"/>
           </p:cNvSpPr>
@@ -377,16 +376,16 @@
         <p:spPr>
           <a:xfrm>
             <a:off x="1107000" y="812520"/>
-            <a:ext cx="5345280" cy="4008960"/>
-          </a:xfrm>
-          <a:prstGeom prst="rect">
-            <a:avLst/>
-          </a:prstGeom>
-        </p:spPr>
-      </p:sp>
-      <p:sp>
-        <p:nvSpPr>
-          <p:cNvPr id="145" name="PlaceHolder 2"/>
+            <a:ext cx="5344920" cy="4008600"/>
+          </a:xfrm>
+          <a:prstGeom prst="rect">
+            <a:avLst/>
+          </a:prstGeom>
+        </p:spPr>
+      </p:sp>
+      <p:sp>
+        <p:nvSpPr>
+          <p:cNvPr id="97" name="PlaceHolder 2"/>
           <p:cNvSpPr>
             <a:spLocks noGrp="1"/>
           </p:cNvSpPr>
@@ -397,7 +396,7 @@
         <p:spPr>
           <a:xfrm>
             <a:off x="756000" y="5078520"/>
-            <a:ext cx="6047640" cy="4811040"/>
+            <a:ext cx="6047280" cy="4811040"/>
           </a:xfrm>
           <a:prstGeom prst="rect">
             <a:avLst/>
@@ -408,6 +407,11 @@
             <a:spAutoFit/>
           </a:bodyPr>
           <a:p>
+            <a:pPr marL="216000" indent="-216000">
+              <a:lnSpc>
+                <a:spcPct val="100000"/>
+              </a:lnSpc>
+            </a:pPr>
             <a:r>
               <a:rPr b="0" lang="en-US" sz="2000" spc="-1" strike="noStrike">
                 <a:latin typeface="Arial"/>
@@ -444,7 +448,7 @@
       </p:grpSpPr>
       <p:sp>
         <p:nvSpPr>
-          <p:cNvPr id="146" name="PlaceHolder 1"/>
+          <p:cNvPr id="98" name="PlaceHolder 1"/>
           <p:cNvSpPr>
             <a:spLocks noGrp="1"/>
           </p:cNvSpPr>
@@ -455,16 +459,16 @@
         <p:spPr>
           <a:xfrm>
             <a:off x="1107000" y="812520"/>
-            <a:ext cx="5345280" cy="4008960"/>
-          </a:xfrm>
-          <a:prstGeom prst="rect">
-            <a:avLst/>
-          </a:prstGeom>
-        </p:spPr>
-      </p:sp>
-      <p:sp>
-        <p:nvSpPr>
-          <p:cNvPr id="147" name="PlaceHolder 2"/>
+            <a:ext cx="5344920" cy="4008600"/>
+          </a:xfrm>
+          <a:prstGeom prst="rect">
+            <a:avLst/>
+          </a:prstGeom>
+        </p:spPr>
+      </p:sp>
+      <p:sp>
+        <p:nvSpPr>
+          <p:cNvPr id="99" name="PlaceHolder 2"/>
           <p:cNvSpPr>
             <a:spLocks noGrp="1"/>
           </p:cNvSpPr>
@@ -475,7 +479,7 @@
         <p:spPr>
           <a:xfrm>
             <a:off x="756000" y="5078520"/>
-            <a:ext cx="6047640" cy="4811040"/>
+            <a:ext cx="6047280" cy="4811040"/>
           </a:xfrm>
           <a:prstGeom prst="rect">
             <a:avLst/>
@@ -486,11 +490,16 @@
             <a:spAutoFit/>
           </a:bodyPr>
           <a:p>
+            <a:pPr marL="216000" indent="-216000">
+              <a:lnSpc>
+                <a:spcPct val="100000"/>
+              </a:lnSpc>
+            </a:pPr>
             <a:r>
               <a:rPr b="0" lang="en-US" sz="2000" spc="-1" strike="noStrike">
                 <a:latin typeface="Arial"/>
               </a:rPr>
-              <a:t>Thanks to the open source tools we have in the industry today, many developers from different backgrounds can work together on large-scale complex projects.</a:t>
+              <a:t>Today’s data landscape is vast. It’s actually more of an ocean rather than a landscape! I can’t show this in one or two slides so you can check it out at the link below. Matt Turck updates this every year and we have the 2021 version now. There are many regions here going from infrastructure (data warehouses, data lakes, data governance, …) to analytics (BI platforms, visualization, log analytics, ...) to machine learning and AI and then to building applications in the enterprise. While we expect everyone to work by that common language called code, these ecosystems enforce their own rules and encourage certain practices.</a:t>
             </a:r>
             <a:endParaRPr b="0" lang="en-US" sz="2000" spc="-1" strike="noStrike">
               <a:latin typeface="Arial"/>
@@ -522,7 +531,7 @@
       </p:grpSpPr>
       <p:sp>
         <p:nvSpPr>
-          <p:cNvPr id="148" name="PlaceHolder 1"/>
+          <p:cNvPr id="100" name="PlaceHolder 1"/>
           <p:cNvSpPr>
             <a:spLocks noGrp="1"/>
           </p:cNvSpPr>
@@ -533,16 +542,16 @@
         <p:spPr>
           <a:xfrm>
             <a:off x="1107000" y="812520"/>
-            <a:ext cx="5345280" cy="4008960"/>
-          </a:xfrm>
-          <a:prstGeom prst="rect">
-            <a:avLst/>
-          </a:prstGeom>
-        </p:spPr>
-      </p:sp>
-      <p:sp>
-        <p:nvSpPr>
-          <p:cNvPr id="149" name="PlaceHolder 2"/>
+            <a:ext cx="5344920" cy="4008600"/>
+          </a:xfrm>
+          <a:prstGeom prst="rect">
+            <a:avLst/>
+          </a:prstGeom>
+        </p:spPr>
+      </p:sp>
+      <p:sp>
+        <p:nvSpPr>
+          <p:cNvPr id="101" name="PlaceHolder 2"/>
           <p:cNvSpPr>
             <a:spLocks noGrp="1"/>
           </p:cNvSpPr>
@@ -553,7 +562,7 @@
         <p:spPr>
           <a:xfrm>
             <a:off x="756000" y="5078520"/>
-            <a:ext cx="6047640" cy="4811040"/>
+            <a:ext cx="6047280" cy="4811040"/>
           </a:xfrm>
           <a:prstGeom prst="rect">
             <a:avLst/>
@@ -564,6 +573,11 @@
             <a:spAutoFit/>
           </a:bodyPr>
           <a:p>
+            <a:pPr marL="216000" indent="-216000">
+              <a:lnSpc>
+                <a:spcPct val="100000"/>
+              </a:lnSpc>
+            </a:pPr>
             <a:r>
               <a:rPr b="0" lang="en-US" sz="2000" spc="-1" strike="noStrike">
                 <a:latin typeface="Arial"/>
@@ -600,7 +614,7 @@
       </p:grpSpPr>
       <p:sp>
         <p:nvSpPr>
-          <p:cNvPr id="150" name="PlaceHolder 1"/>
+          <p:cNvPr id="102" name="PlaceHolder 1"/>
           <p:cNvSpPr>
             <a:spLocks noGrp="1"/>
           </p:cNvSpPr>
@@ -611,16 +625,16 @@
         <p:spPr>
           <a:xfrm>
             <a:off x="1107000" y="812520"/>
-            <a:ext cx="5345280" cy="4008960"/>
-          </a:xfrm>
-          <a:prstGeom prst="rect">
-            <a:avLst/>
-          </a:prstGeom>
-        </p:spPr>
-      </p:sp>
-      <p:sp>
-        <p:nvSpPr>
-          <p:cNvPr id="151" name="PlaceHolder 2"/>
+            <a:ext cx="5344920" cy="4008600"/>
+          </a:xfrm>
+          <a:prstGeom prst="rect">
+            <a:avLst/>
+          </a:prstGeom>
+        </p:spPr>
+      </p:sp>
+      <p:sp>
+        <p:nvSpPr>
+          <p:cNvPr id="103" name="PlaceHolder 2"/>
           <p:cNvSpPr>
             <a:spLocks noGrp="1"/>
           </p:cNvSpPr>
@@ -631,7 +645,7 @@
         <p:spPr>
           <a:xfrm>
             <a:off x="756000" y="5078520"/>
-            <a:ext cx="6047640" cy="4811040"/>
+            <a:ext cx="6047280" cy="4811040"/>
           </a:xfrm>
           <a:prstGeom prst="rect">
             <a:avLst/>
@@ -642,6 +656,11 @@
             <a:spAutoFit/>
           </a:bodyPr>
           <a:p>
+            <a:pPr marL="216000" indent="-216000">
+              <a:lnSpc>
+                <a:spcPct val="100000"/>
+              </a:lnSpc>
+            </a:pPr>
             <a:r>
               <a:rPr b="0" lang="en-US" sz="2000" spc="-1" strike="noStrike">
                 <a:latin typeface="Arial"/>
@@ -700,7 +719,7 @@
       </p:grpSpPr>
       <p:sp>
         <p:nvSpPr>
-          <p:cNvPr id="26" name="PlaceHolder 1"/>
+          <p:cNvPr id="23" name="PlaceHolder 1"/>
           <p:cNvSpPr>
             <a:spLocks noGrp="1"/>
           </p:cNvSpPr>
@@ -711,7 +730,7 @@
         <p:spPr>
           <a:xfrm>
             <a:off x="504000" y="408600"/>
-            <a:ext cx="9071640" cy="1262520"/>
+            <a:ext cx="9071280" cy="1262160"/>
           </a:xfrm>
           <a:prstGeom prst="rect">
             <a:avLst/>
@@ -722,6 +741,7 @@
             <a:spAutoFit/>
           </a:bodyPr>
           <a:p>
+            <a:pPr algn="ctr"/>
             <a:endParaRPr b="0" lang="en-US" sz="4400" spc="-1" strike="noStrike">
               <a:latin typeface="Arial"/>
             </a:endParaRPr>
@@ -730,7 +750,7 @@
       </p:sp>
       <p:sp>
         <p:nvSpPr>
-          <p:cNvPr id="27" name="PlaceHolder 2"/>
+          <p:cNvPr id="24" name="PlaceHolder 2"/>
           <p:cNvSpPr>
             <a:spLocks noGrp="1"/>
           </p:cNvSpPr>
@@ -741,7 +761,7 @@
         <p:spPr>
           <a:xfrm>
             <a:off x="504000" y="2020680"/>
-            <a:ext cx="9071640" cy="2229840"/>
+            <a:ext cx="9071280" cy="2229840"/>
           </a:xfrm>
           <a:prstGeom prst="rect">
             <a:avLst/>
@@ -760,7 +780,7 @@
       </p:sp>
       <p:sp>
         <p:nvSpPr>
-          <p:cNvPr id="28" name="PlaceHolder 3"/>
+          <p:cNvPr id="25" name="PlaceHolder 3"/>
           <p:cNvSpPr>
             <a:spLocks noGrp="1"/>
           </p:cNvSpPr>
@@ -771,7 +791,7 @@
         <p:spPr>
           <a:xfrm>
             <a:off x="504000" y="4462920"/>
-            <a:ext cx="9071640" cy="2229840"/>
+            <a:ext cx="9071280" cy="2229840"/>
           </a:xfrm>
           <a:prstGeom prst="rect">
             <a:avLst/>
@@ -812,7 +832,7 @@
       </p:grpSpPr>
       <p:sp>
         <p:nvSpPr>
-          <p:cNvPr id="29" name="PlaceHolder 1"/>
+          <p:cNvPr id="26" name="PlaceHolder 1"/>
           <p:cNvSpPr>
             <a:spLocks noGrp="1"/>
           </p:cNvSpPr>
@@ -823,7 +843,7 @@
         <p:spPr>
           <a:xfrm>
             <a:off x="504000" y="408600"/>
-            <a:ext cx="9071640" cy="1262520"/>
+            <a:ext cx="9071280" cy="1262160"/>
           </a:xfrm>
           <a:prstGeom prst="rect">
             <a:avLst/>
@@ -834,6 +854,7 @@
             <a:spAutoFit/>
           </a:bodyPr>
           <a:p>
+            <a:pPr algn="ctr"/>
             <a:endParaRPr b="0" lang="en-US" sz="4400" spc="-1" strike="noStrike">
               <a:latin typeface="Arial"/>
             </a:endParaRPr>
@@ -842,7 +863,7 @@
       </p:sp>
       <p:sp>
         <p:nvSpPr>
-          <p:cNvPr id="30" name="PlaceHolder 2"/>
+          <p:cNvPr id="27" name="PlaceHolder 2"/>
           <p:cNvSpPr>
             <a:spLocks noGrp="1"/>
           </p:cNvSpPr>
@@ -853,7 +874,7 @@
         <p:spPr>
           <a:xfrm>
             <a:off x="504000" y="2020680"/>
-            <a:ext cx="4426920" cy="2229840"/>
+            <a:ext cx="4426560" cy="2229840"/>
           </a:xfrm>
           <a:prstGeom prst="rect">
             <a:avLst/>
@@ -872,7 +893,7 @@
       </p:sp>
       <p:sp>
         <p:nvSpPr>
-          <p:cNvPr id="31" name="PlaceHolder 3"/>
+          <p:cNvPr id="28" name="PlaceHolder 3"/>
           <p:cNvSpPr>
             <a:spLocks noGrp="1"/>
           </p:cNvSpPr>
@@ -882,8 +903,8 @@
         </p:nvSpPr>
         <p:spPr>
           <a:xfrm>
-            <a:off x="5152680" y="2020680"/>
-            <a:ext cx="4426920" cy="2229840"/>
+            <a:off x="5152320" y="2020680"/>
+            <a:ext cx="4426560" cy="2229840"/>
           </a:xfrm>
           <a:prstGeom prst="rect">
             <a:avLst/>
@@ -902,7 +923,7 @@
       </p:sp>
       <p:sp>
         <p:nvSpPr>
-          <p:cNvPr id="32" name="PlaceHolder 4"/>
+          <p:cNvPr id="29" name="PlaceHolder 4"/>
           <p:cNvSpPr>
             <a:spLocks noGrp="1"/>
           </p:cNvSpPr>
@@ -913,7 +934,7 @@
         <p:spPr>
           <a:xfrm>
             <a:off x="504000" y="4462920"/>
-            <a:ext cx="4426920" cy="2229840"/>
+            <a:ext cx="4426560" cy="2229840"/>
           </a:xfrm>
           <a:prstGeom prst="rect">
             <a:avLst/>
@@ -932,7 +953,7 @@
       </p:sp>
       <p:sp>
         <p:nvSpPr>
-          <p:cNvPr id="33" name="PlaceHolder 5"/>
+          <p:cNvPr id="30" name="PlaceHolder 5"/>
           <p:cNvSpPr>
             <a:spLocks noGrp="1"/>
           </p:cNvSpPr>
@@ -942,8 +963,8 @@
         </p:nvSpPr>
         <p:spPr>
           <a:xfrm>
-            <a:off x="5152680" y="4462920"/>
-            <a:ext cx="4426920" cy="2229840"/>
+            <a:off x="5152320" y="4462920"/>
+            <a:ext cx="4426560" cy="2229840"/>
           </a:xfrm>
           <a:prstGeom prst="rect">
             <a:avLst/>
@@ -984,7 +1005,7 @@
       </p:grpSpPr>
       <p:sp>
         <p:nvSpPr>
-          <p:cNvPr id="34" name="PlaceHolder 1"/>
+          <p:cNvPr id="31" name="PlaceHolder 1"/>
           <p:cNvSpPr>
             <a:spLocks noGrp="1"/>
           </p:cNvSpPr>
@@ -995,7 +1016,7 @@
         <p:spPr>
           <a:xfrm>
             <a:off x="504000" y="408600"/>
-            <a:ext cx="9071640" cy="1262520"/>
+            <a:ext cx="9071280" cy="1262160"/>
           </a:xfrm>
           <a:prstGeom prst="rect">
             <a:avLst/>
@@ -1006,6 +1027,7 @@
             <a:spAutoFit/>
           </a:bodyPr>
           <a:p>
+            <a:pPr algn="ctr"/>
             <a:endParaRPr b="0" lang="en-US" sz="4400" spc="-1" strike="noStrike">
               <a:latin typeface="Arial"/>
             </a:endParaRPr>
@@ -1014,7 +1036,7 @@
       </p:sp>
       <p:sp>
         <p:nvSpPr>
-          <p:cNvPr id="35" name="PlaceHolder 2"/>
+          <p:cNvPr id="32" name="PlaceHolder 2"/>
           <p:cNvSpPr>
             <a:spLocks noGrp="1"/>
           </p:cNvSpPr>
@@ -1044,7 +1066,7 @@
       </p:sp>
       <p:sp>
         <p:nvSpPr>
-          <p:cNvPr id="36" name="PlaceHolder 3"/>
+          <p:cNvPr id="33" name="PlaceHolder 3"/>
           <p:cNvSpPr>
             <a:spLocks noGrp="1"/>
           </p:cNvSpPr>
@@ -1074,7 +1096,7 @@
       </p:sp>
       <p:sp>
         <p:nvSpPr>
-          <p:cNvPr id="37" name="PlaceHolder 4"/>
+          <p:cNvPr id="34" name="PlaceHolder 4"/>
           <p:cNvSpPr>
             <a:spLocks noGrp="1"/>
           </p:cNvSpPr>
@@ -1104,7 +1126,7 @@
       </p:sp>
       <p:sp>
         <p:nvSpPr>
-          <p:cNvPr id="38" name="PlaceHolder 5"/>
+          <p:cNvPr id="35" name="PlaceHolder 5"/>
           <p:cNvSpPr>
             <a:spLocks noGrp="1"/>
           </p:cNvSpPr>
@@ -1134,7 +1156,7 @@
       </p:sp>
       <p:sp>
         <p:nvSpPr>
-          <p:cNvPr id="39" name="PlaceHolder 6"/>
+          <p:cNvPr id="36" name="PlaceHolder 6"/>
           <p:cNvSpPr>
             <a:spLocks noGrp="1"/>
           </p:cNvSpPr>
@@ -1164,7 +1186,7 @@
       </p:sp>
       <p:sp>
         <p:nvSpPr>
-          <p:cNvPr id="40" name="PlaceHolder 7"/>
+          <p:cNvPr id="37" name="PlaceHolder 7"/>
           <p:cNvSpPr>
             <a:spLocks noGrp="1"/>
           </p:cNvSpPr>
@@ -1238,7 +1260,7 @@
       </p:grpSpPr>
       <p:sp>
         <p:nvSpPr>
-          <p:cNvPr id="46" name="PlaceHolder 1"/>
+          <p:cNvPr id="40" name="PlaceHolder 1"/>
           <p:cNvSpPr>
             <a:spLocks noGrp="1"/>
           </p:cNvSpPr>
@@ -1249,7 +1271,7 @@
         <p:spPr>
           <a:xfrm>
             <a:off x="504000" y="408600"/>
-            <a:ext cx="9071640" cy="1262520"/>
+            <a:ext cx="9071280" cy="1262160"/>
           </a:xfrm>
           <a:prstGeom prst="rect">
             <a:avLst/>
@@ -1260,6 +1282,7 @@
             <a:spAutoFit/>
           </a:bodyPr>
           <a:p>
+            <a:pPr algn="ctr"/>
             <a:endParaRPr b="0" lang="en-US" sz="4400" spc="-1" strike="noStrike">
               <a:latin typeface="Arial"/>
             </a:endParaRPr>
@@ -1268,7 +1291,7 @@
       </p:sp>
       <p:sp>
         <p:nvSpPr>
-          <p:cNvPr id="47" name="PlaceHolder 2"/>
+          <p:cNvPr id="41" name="PlaceHolder 2"/>
           <p:cNvSpPr>
             <a:spLocks noGrp="1"/>
           </p:cNvSpPr>
@@ -1279,7 +1302,7 @@
         <p:spPr>
           <a:xfrm>
             <a:off x="504000" y="2020680"/>
-            <a:ext cx="9071640" cy="4675320"/>
+            <a:ext cx="9071280" cy="4674960"/>
           </a:xfrm>
           <a:prstGeom prst="rect">
             <a:avLst/>
@@ -1321,7 +1344,7 @@
       </p:grpSpPr>
       <p:sp>
         <p:nvSpPr>
-          <p:cNvPr id="48" name="PlaceHolder 1"/>
+          <p:cNvPr id="42" name="PlaceHolder 1"/>
           <p:cNvSpPr>
             <a:spLocks noGrp="1"/>
           </p:cNvSpPr>
@@ -1332,7 +1355,7 @@
         <p:spPr>
           <a:xfrm>
             <a:off x="504000" y="408600"/>
-            <a:ext cx="9071640" cy="1262520"/>
+            <a:ext cx="9071280" cy="1262160"/>
           </a:xfrm>
           <a:prstGeom prst="rect">
             <a:avLst/>
@@ -1343,6 +1366,7 @@
             <a:spAutoFit/>
           </a:bodyPr>
           <a:p>
+            <a:pPr algn="ctr"/>
             <a:endParaRPr b="0" lang="en-US" sz="4400" spc="-1" strike="noStrike">
               <a:latin typeface="Arial"/>
             </a:endParaRPr>
@@ -1351,7 +1375,7 @@
       </p:sp>
       <p:sp>
         <p:nvSpPr>
-          <p:cNvPr id="49" name="PlaceHolder 2"/>
+          <p:cNvPr id="43" name="PlaceHolder 2"/>
           <p:cNvSpPr>
             <a:spLocks noGrp="1"/>
           </p:cNvSpPr>
@@ -1362,7 +1386,7 @@
         <p:spPr>
           <a:xfrm>
             <a:off x="504000" y="2020680"/>
-            <a:ext cx="9071640" cy="4675320"/>
+            <a:ext cx="9071280" cy="4674960"/>
           </a:xfrm>
           <a:prstGeom prst="rect">
             <a:avLst/>
@@ -1403,7 +1427,7 @@
       </p:grpSpPr>
       <p:sp>
         <p:nvSpPr>
-          <p:cNvPr id="50" name="PlaceHolder 1"/>
+          <p:cNvPr id="44" name="PlaceHolder 1"/>
           <p:cNvSpPr>
             <a:spLocks noGrp="1"/>
           </p:cNvSpPr>
@@ -1414,7 +1438,7 @@
         <p:spPr>
           <a:xfrm>
             <a:off x="504000" y="408600"/>
-            <a:ext cx="9071640" cy="1262520"/>
+            <a:ext cx="9071280" cy="1262160"/>
           </a:xfrm>
           <a:prstGeom prst="rect">
             <a:avLst/>
@@ -1425,6 +1449,7 @@
             <a:spAutoFit/>
           </a:bodyPr>
           <a:p>
+            <a:pPr algn="ctr"/>
             <a:endParaRPr b="0" lang="en-US" sz="4400" spc="-1" strike="noStrike">
               <a:latin typeface="Arial"/>
             </a:endParaRPr>
@@ -1433,7 +1458,7 @@
       </p:sp>
       <p:sp>
         <p:nvSpPr>
-          <p:cNvPr id="51" name="PlaceHolder 2"/>
+          <p:cNvPr id="45" name="PlaceHolder 2"/>
           <p:cNvSpPr>
             <a:spLocks noGrp="1"/>
           </p:cNvSpPr>
@@ -1444,7 +1469,7 @@
         <p:spPr>
           <a:xfrm>
             <a:off x="504000" y="2020680"/>
-            <a:ext cx="4426920" cy="4675320"/>
+            <a:ext cx="4426560" cy="4674960"/>
           </a:xfrm>
           <a:prstGeom prst="rect">
             <a:avLst/>
@@ -1463,7 +1488,7 @@
       </p:sp>
       <p:sp>
         <p:nvSpPr>
-          <p:cNvPr id="52" name="PlaceHolder 3"/>
+          <p:cNvPr id="46" name="PlaceHolder 3"/>
           <p:cNvSpPr>
             <a:spLocks noGrp="1"/>
           </p:cNvSpPr>
@@ -1473,8 +1498,8 @@
         </p:nvSpPr>
         <p:spPr>
           <a:xfrm>
-            <a:off x="5152680" y="2020680"/>
-            <a:ext cx="4426920" cy="4675320"/>
+            <a:off x="5152320" y="2020680"/>
+            <a:ext cx="4426560" cy="4674960"/>
           </a:xfrm>
           <a:prstGeom prst="rect">
             <a:avLst/>
@@ -1515,7 +1540,7 @@
       </p:grpSpPr>
       <p:sp>
         <p:nvSpPr>
-          <p:cNvPr id="53" name="PlaceHolder 1"/>
+          <p:cNvPr id="47" name="PlaceHolder 1"/>
           <p:cNvSpPr>
             <a:spLocks noGrp="1"/>
           </p:cNvSpPr>
@@ -1526,7 +1551,7 @@
         <p:spPr>
           <a:xfrm>
             <a:off x="504000" y="408600"/>
-            <a:ext cx="9071640" cy="1262520"/>
+            <a:ext cx="9071280" cy="1262160"/>
           </a:xfrm>
           <a:prstGeom prst="rect">
             <a:avLst/>
@@ -1537,6 +1562,7 @@
             <a:spAutoFit/>
           </a:bodyPr>
           <a:p>
+            <a:pPr algn="ctr"/>
             <a:endParaRPr b="0" lang="en-US" sz="4400" spc="-1" strike="noStrike">
               <a:latin typeface="Arial"/>
             </a:endParaRPr>
@@ -1567,7 +1593,7 @@
       </p:grpSpPr>
       <p:sp>
         <p:nvSpPr>
-          <p:cNvPr id="54" name="PlaceHolder 1"/>
+          <p:cNvPr id="48" name="PlaceHolder 1"/>
           <p:cNvSpPr>
             <a:spLocks noGrp="1"/>
           </p:cNvSpPr>
@@ -1578,7 +1604,7 @@
         <p:spPr>
           <a:xfrm>
             <a:off x="504000" y="408600"/>
-            <a:ext cx="9071640" cy="5853600"/>
+            <a:ext cx="9071280" cy="5851800"/>
           </a:xfrm>
           <a:prstGeom prst="rect">
             <a:avLst/>
@@ -1620,7 +1646,7 @@
       </p:grpSpPr>
       <p:sp>
         <p:nvSpPr>
-          <p:cNvPr id="55" name="PlaceHolder 1"/>
+          <p:cNvPr id="49" name="PlaceHolder 1"/>
           <p:cNvSpPr>
             <a:spLocks noGrp="1"/>
           </p:cNvSpPr>
@@ -1631,7 +1657,7 @@
         <p:spPr>
           <a:xfrm>
             <a:off x="504000" y="408600"/>
-            <a:ext cx="9071640" cy="1262520"/>
+            <a:ext cx="9071280" cy="1262160"/>
           </a:xfrm>
           <a:prstGeom prst="rect">
             <a:avLst/>
@@ -1642,6 +1668,7 @@
             <a:spAutoFit/>
           </a:bodyPr>
           <a:p>
+            <a:pPr algn="ctr"/>
             <a:endParaRPr b="0" lang="en-US" sz="4400" spc="-1" strike="noStrike">
               <a:latin typeface="Arial"/>
             </a:endParaRPr>
@@ -1650,7 +1677,7 @@
       </p:sp>
       <p:sp>
         <p:nvSpPr>
-          <p:cNvPr id="56" name="PlaceHolder 2"/>
+          <p:cNvPr id="50" name="PlaceHolder 2"/>
           <p:cNvSpPr>
             <a:spLocks noGrp="1"/>
           </p:cNvSpPr>
@@ -1661,7 +1688,7 @@
         <p:spPr>
           <a:xfrm>
             <a:off x="504000" y="2020680"/>
-            <a:ext cx="4426920" cy="2229840"/>
+            <a:ext cx="4426560" cy="2229840"/>
           </a:xfrm>
           <a:prstGeom prst="rect">
             <a:avLst/>
@@ -1680,7 +1707,7 @@
       </p:sp>
       <p:sp>
         <p:nvSpPr>
-          <p:cNvPr id="57" name="PlaceHolder 3"/>
+          <p:cNvPr id="51" name="PlaceHolder 3"/>
           <p:cNvSpPr>
             <a:spLocks noGrp="1"/>
           </p:cNvSpPr>
@@ -1690,8 +1717,8 @@
         </p:nvSpPr>
         <p:spPr>
           <a:xfrm>
-            <a:off x="5152680" y="2020680"/>
-            <a:ext cx="4426920" cy="4675320"/>
+            <a:off x="5152320" y="2020680"/>
+            <a:ext cx="4426560" cy="4674960"/>
           </a:xfrm>
           <a:prstGeom prst="rect">
             <a:avLst/>
@@ -1710,7 +1737,7 @@
       </p:sp>
       <p:sp>
         <p:nvSpPr>
-          <p:cNvPr id="58" name="PlaceHolder 4"/>
+          <p:cNvPr id="52" name="PlaceHolder 4"/>
           <p:cNvSpPr>
             <a:spLocks noGrp="1"/>
           </p:cNvSpPr>
@@ -1721,7 +1748,7 @@
         <p:spPr>
           <a:xfrm>
             <a:off x="504000" y="4462920"/>
-            <a:ext cx="4426920" cy="2229840"/>
+            <a:ext cx="4426560" cy="2229840"/>
           </a:xfrm>
           <a:prstGeom prst="rect">
             <a:avLst/>
@@ -1762,7 +1789,7 @@
       </p:grpSpPr>
       <p:sp>
         <p:nvSpPr>
-          <p:cNvPr id="5" name="PlaceHolder 1"/>
+          <p:cNvPr id="2" name="PlaceHolder 1"/>
           <p:cNvSpPr>
             <a:spLocks noGrp="1"/>
           </p:cNvSpPr>
@@ -1773,7 +1800,7 @@
         <p:spPr>
           <a:xfrm>
             <a:off x="504000" y="408600"/>
-            <a:ext cx="9071640" cy="1262520"/>
+            <a:ext cx="9071280" cy="1262160"/>
           </a:xfrm>
           <a:prstGeom prst="rect">
             <a:avLst/>
@@ -1784,6 +1811,7 @@
             <a:spAutoFit/>
           </a:bodyPr>
           <a:p>
+            <a:pPr algn="ctr"/>
             <a:endParaRPr b="0" lang="en-US" sz="4400" spc="-1" strike="noStrike">
               <a:latin typeface="Arial"/>
             </a:endParaRPr>
@@ -1792,7 +1820,7 @@
       </p:sp>
       <p:sp>
         <p:nvSpPr>
-          <p:cNvPr id="6" name="PlaceHolder 2"/>
+          <p:cNvPr id="3" name="PlaceHolder 2"/>
           <p:cNvSpPr>
             <a:spLocks noGrp="1"/>
           </p:cNvSpPr>
@@ -1803,7 +1831,7 @@
         <p:spPr>
           <a:xfrm>
             <a:off x="504000" y="2020680"/>
-            <a:ext cx="9071640" cy="4675320"/>
+            <a:ext cx="9071280" cy="4674960"/>
           </a:xfrm>
           <a:prstGeom prst="rect">
             <a:avLst/>
@@ -1845,7 +1873,7 @@
       </p:grpSpPr>
       <p:sp>
         <p:nvSpPr>
-          <p:cNvPr id="59" name="PlaceHolder 1"/>
+          <p:cNvPr id="53" name="PlaceHolder 1"/>
           <p:cNvSpPr>
             <a:spLocks noGrp="1"/>
           </p:cNvSpPr>
@@ -1856,7 +1884,7 @@
         <p:spPr>
           <a:xfrm>
             <a:off x="504000" y="408600"/>
-            <a:ext cx="9071640" cy="1262520"/>
+            <a:ext cx="9071280" cy="1262160"/>
           </a:xfrm>
           <a:prstGeom prst="rect">
             <a:avLst/>
@@ -1867,6 +1895,7 @@
             <a:spAutoFit/>
           </a:bodyPr>
           <a:p>
+            <a:pPr algn="ctr"/>
             <a:endParaRPr b="0" lang="en-US" sz="4400" spc="-1" strike="noStrike">
               <a:latin typeface="Arial"/>
             </a:endParaRPr>
@@ -1875,7 +1904,7 @@
       </p:sp>
       <p:sp>
         <p:nvSpPr>
-          <p:cNvPr id="60" name="PlaceHolder 2"/>
+          <p:cNvPr id="54" name="PlaceHolder 2"/>
           <p:cNvSpPr>
             <a:spLocks noGrp="1"/>
           </p:cNvSpPr>
@@ -1886,7 +1915,7 @@
         <p:spPr>
           <a:xfrm>
             <a:off x="504000" y="2020680"/>
-            <a:ext cx="4426920" cy="4675320"/>
+            <a:ext cx="4426560" cy="4674960"/>
           </a:xfrm>
           <a:prstGeom prst="rect">
             <a:avLst/>
@@ -1905,7 +1934,7 @@
       </p:sp>
       <p:sp>
         <p:nvSpPr>
-          <p:cNvPr id="61" name="PlaceHolder 3"/>
+          <p:cNvPr id="55" name="PlaceHolder 3"/>
           <p:cNvSpPr>
             <a:spLocks noGrp="1"/>
           </p:cNvSpPr>
@@ -1915,8 +1944,8 @@
         </p:nvSpPr>
         <p:spPr>
           <a:xfrm>
-            <a:off x="5152680" y="2020680"/>
-            <a:ext cx="4426920" cy="2229840"/>
+            <a:off x="5152320" y="2020680"/>
+            <a:ext cx="4426560" cy="2229840"/>
           </a:xfrm>
           <a:prstGeom prst="rect">
             <a:avLst/>
@@ -1935,7 +1964,7 @@
       </p:sp>
       <p:sp>
         <p:nvSpPr>
-          <p:cNvPr id="62" name="PlaceHolder 4"/>
+          <p:cNvPr id="56" name="PlaceHolder 4"/>
           <p:cNvSpPr>
             <a:spLocks noGrp="1"/>
           </p:cNvSpPr>
@@ -1945,8 +1974,8 @@
         </p:nvSpPr>
         <p:spPr>
           <a:xfrm>
-            <a:off x="5152680" y="4462920"/>
-            <a:ext cx="4426920" cy="2229840"/>
+            <a:off x="5152320" y="4462920"/>
+            <a:ext cx="4426560" cy="2229840"/>
           </a:xfrm>
           <a:prstGeom prst="rect">
             <a:avLst/>
@@ -1987,7 +2016,7 @@
       </p:grpSpPr>
       <p:sp>
         <p:nvSpPr>
-          <p:cNvPr id="63" name="PlaceHolder 1"/>
+          <p:cNvPr id="57" name="PlaceHolder 1"/>
           <p:cNvSpPr>
             <a:spLocks noGrp="1"/>
           </p:cNvSpPr>
@@ -1998,7 +2027,7 @@
         <p:spPr>
           <a:xfrm>
             <a:off x="504000" y="408600"/>
-            <a:ext cx="9071640" cy="1262520"/>
+            <a:ext cx="9071280" cy="1262160"/>
           </a:xfrm>
           <a:prstGeom prst="rect">
             <a:avLst/>
@@ -2009,6 +2038,7 @@
             <a:spAutoFit/>
           </a:bodyPr>
           <a:p>
+            <a:pPr algn="ctr"/>
             <a:endParaRPr b="0" lang="en-US" sz="4400" spc="-1" strike="noStrike">
               <a:latin typeface="Arial"/>
             </a:endParaRPr>
@@ -2017,7 +2047,7 @@
       </p:sp>
       <p:sp>
         <p:nvSpPr>
-          <p:cNvPr id="64" name="PlaceHolder 2"/>
+          <p:cNvPr id="58" name="PlaceHolder 2"/>
           <p:cNvSpPr>
             <a:spLocks noGrp="1"/>
           </p:cNvSpPr>
@@ -2028,7 +2058,7 @@
         <p:spPr>
           <a:xfrm>
             <a:off x="504000" y="2020680"/>
-            <a:ext cx="4426920" cy="2229840"/>
+            <a:ext cx="4426560" cy="2229840"/>
           </a:xfrm>
           <a:prstGeom prst="rect">
             <a:avLst/>
@@ -2047,7 +2077,7 @@
       </p:sp>
       <p:sp>
         <p:nvSpPr>
-          <p:cNvPr id="65" name="PlaceHolder 3"/>
+          <p:cNvPr id="59" name="PlaceHolder 3"/>
           <p:cNvSpPr>
             <a:spLocks noGrp="1"/>
           </p:cNvSpPr>
@@ -2057,8 +2087,8 @@
         </p:nvSpPr>
         <p:spPr>
           <a:xfrm>
-            <a:off x="5152680" y="2020680"/>
-            <a:ext cx="4426920" cy="2229840"/>
+            <a:off x="5152320" y="2020680"/>
+            <a:ext cx="4426560" cy="2229840"/>
           </a:xfrm>
           <a:prstGeom prst="rect">
             <a:avLst/>
@@ -2077,7 +2107,7 @@
       </p:sp>
       <p:sp>
         <p:nvSpPr>
-          <p:cNvPr id="66" name="PlaceHolder 4"/>
+          <p:cNvPr id="60" name="PlaceHolder 4"/>
           <p:cNvSpPr>
             <a:spLocks noGrp="1"/>
           </p:cNvSpPr>
@@ -2088,7 +2118,7 @@
         <p:spPr>
           <a:xfrm>
             <a:off x="504000" y="4462920"/>
-            <a:ext cx="9071640" cy="2229840"/>
+            <a:ext cx="9071280" cy="2229840"/>
           </a:xfrm>
           <a:prstGeom prst="rect">
             <a:avLst/>
@@ -2129,7 +2159,7 @@
       </p:grpSpPr>
       <p:sp>
         <p:nvSpPr>
-          <p:cNvPr id="67" name="PlaceHolder 1"/>
+          <p:cNvPr id="61" name="PlaceHolder 1"/>
           <p:cNvSpPr>
             <a:spLocks noGrp="1"/>
           </p:cNvSpPr>
@@ -2140,7 +2170,7 @@
         <p:spPr>
           <a:xfrm>
             <a:off x="504000" y="408600"/>
-            <a:ext cx="9071640" cy="1262520"/>
+            <a:ext cx="9071280" cy="1262160"/>
           </a:xfrm>
           <a:prstGeom prst="rect">
             <a:avLst/>
@@ -2151,6 +2181,7 @@
             <a:spAutoFit/>
           </a:bodyPr>
           <a:p>
+            <a:pPr algn="ctr"/>
             <a:endParaRPr b="0" lang="en-US" sz="4400" spc="-1" strike="noStrike">
               <a:latin typeface="Arial"/>
             </a:endParaRPr>
@@ -2159,7 +2190,7 @@
       </p:sp>
       <p:sp>
         <p:nvSpPr>
-          <p:cNvPr id="68" name="PlaceHolder 2"/>
+          <p:cNvPr id="62" name="PlaceHolder 2"/>
           <p:cNvSpPr>
             <a:spLocks noGrp="1"/>
           </p:cNvSpPr>
@@ -2170,7 +2201,7 @@
         <p:spPr>
           <a:xfrm>
             <a:off x="504000" y="2020680"/>
-            <a:ext cx="9071640" cy="2229840"/>
+            <a:ext cx="9071280" cy="2229840"/>
           </a:xfrm>
           <a:prstGeom prst="rect">
             <a:avLst/>
@@ -2189,7 +2220,7 @@
       </p:sp>
       <p:sp>
         <p:nvSpPr>
-          <p:cNvPr id="69" name="PlaceHolder 3"/>
+          <p:cNvPr id="63" name="PlaceHolder 3"/>
           <p:cNvSpPr>
             <a:spLocks noGrp="1"/>
           </p:cNvSpPr>
@@ -2200,7 +2231,7 @@
         <p:spPr>
           <a:xfrm>
             <a:off x="504000" y="4462920"/>
-            <a:ext cx="9071640" cy="2229840"/>
+            <a:ext cx="9071280" cy="2229840"/>
           </a:xfrm>
           <a:prstGeom prst="rect">
             <a:avLst/>
@@ -2241,7 +2272,7 @@
       </p:grpSpPr>
       <p:sp>
         <p:nvSpPr>
-          <p:cNvPr id="70" name="PlaceHolder 1"/>
+          <p:cNvPr id="64" name="PlaceHolder 1"/>
           <p:cNvSpPr>
             <a:spLocks noGrp="1"/>
           </p:cNvSpPr>
@@ -2252,7 +2283,7 @@
         <p:spPr>
           <a:xfrm>
             <a:off x="504000" y="408600"/>
-            <a:ext cx="9071640" cy="1262520"/>
+            <a:ext cx="9071280" cy="1262160"/>
           </a:xfrm>
           <a:prstGeom prst="rect">
             <a:avLst/>
@@ -2263,6 +2294,7 @@
             <a:spAutoFit/>
           </a:bodyPr>
           <a:p>
+            <a:pPr algn="ctr"/>
             <a:endParaRPr b="0" lang="en-US" sz="4400" spc="-1" strike="noStrike">
               <a:latin typeface="Arial"/>
             </a:endParaRPr>
@@ -2271,7 +2303,7 @@
       </p:sp>
       <p:sp>
         <p:nvSpPr>
-          <p:cNvPr id="71" name="PlaceHolder 2"/>
+          <p:cNvPr id="65" name="PlaceHolder 2"/>
           <p:cNvSpPr>
             <a:spLocks noGrp="1"/>
           </p:cNvSpPr>
@@ -2282,7 +2314,7 @@
         <p:spPr>
           <a:xfrm>
             <a:off x="504000" y="2020680"/>
-            <a:ext cx="4426920" cy="2229840"/>
+            <a:ext cx="4426560" cy="2229840"/>
           </a:xfrm>
           <a:prstGeom prst="rect">
             <a:avLst/>
@@ -2301,7 +2333,7 @@
       </p:sp>
       <p:sp>
         <p:nvSpPr>
-          <p:cNvPr id="72" name="PlaceHolder 3"/>
+          <p:cNvPr id="66" name="PlaceHolder 3"/>
           <p:cNvSpPr>
             <a:spLocks noGrp="1"/>
           </p:cNvSpPr>
@@ -2311,8 +2343,8 @@
         </p:nvSpPr>
         <p:spPr>
           <a:xfrm>
-            <a:off x="5152680" y="2020680"/>
-            <a:ext cx="4426920" cy="2229840"/>
+            <a:off x="5152320" y="2020680"/>
+            <a:ext cx="4426560" cy="2229840"/>
           </a:xfrm>
           <a:prstGeom prst="rect">
             <a:avLst/>
@@ -2331,7 +2363,7 @@
       </p:sp>
       <p:sp>
         <p:nvSpPr>
-          <p:cNvPr id="73" name="PlaceHolder 4"/>
+          <p:cNvPr id="67" name="PlaceHolder 4"/>
           <p:cNvSpPr>
             <a:spLocks noGrp="1"/>
           </p:cNvSpPr>
@@ -2342,7 +2374,7 @@
         <p:spPr>
           <a:xfrm>
             <a:off x="504000" y="4462920"/>
-            <a:ext cx="4426920" cy="2229840"/>
+            <a:ext cx="4426560" cy="2229840"/>
           </a:xfrm>
           <a:prstGeom prst="rect">
             <a:avLst/>
@@ -2361,7 +2393,7 @@
       </p:sp>
       <p:sp>
         <p:nvSpPr>
-          <p:cNvPr id="74" name="PlaceHolder 5"/>
+          <p:cNvPr id="68" name="PlaceHolder 5"/>
           <p:cNvSpPr>
             <a:spLocks noGrp="1"/>
           </p:cNvSpPr>
@@ -2371,8 +2403,8 @@
         </p:nvSpPr>
         <p:spPr>
           <a:xfrm>
-            <a:off x="5152680" y="4462920"/>
-            <a:ext cx="4426920" cy="2229840"/>
+            <a:off x="5152320" y="4462920"/>
+            <a:ext cx="4426560" cy="2229840"/>
           </a:xfrm>
           <a:prstGeom prst="rect">
             <a:avLst/>
@@ -2413,7 +2445,7 @@
       </p:grpSpPr>
       <p:sp>
         <p:nvSpPr>
-          <p:cNvPr id="75" name="PlaceHolder 1"/>
+          <p:cNvPr id="69" name="PlaceHolder 1"/>
           <p:cNvSpPr>
             <a:spLocks noGrp="1"/>
           </p:cNvSpPr>
@@ -2424,7 +2456,7 @@
         <p:spPr>
           <a:xfrm>
             <a:off x="504000" y="408600"/>
-            <a:ext cx="9071640" cy="1262520"/>
+            <a:ext cx="9071280" cy="1262160"/>
           </a:xfrm>
           <a:prstGeom prst="rect">
             <a:avLst/>
@@ -2435,6 +2467,7 @@
             <a:spAutoFit/>
           </a:bodyPr>
           <a:p>
+            <a:pPr algn="ctr"/>
             <a:endParaRPr b="0" lang="en-US" sz="4400" spc="-1" strike="noStrike">
               <a:latin typeface="Arial"/>
             </a:endParaRPr>
@@ -2443,7 +2476,7 @@
       </p:sp>
       <p:sp>
         <p:nvSpPr>
-          <p:cNvPr id="76" name="PlaceHolder 2"/>
+          <p:cNvPr id="70" name="PlaceHolder 2"/>
           <p:cNvSpPr>
             <a:spLocks noGrp="1"/>
           </p:cNvSpPr>
@@ -2473,7 +2506,7 @@
       </p:sp>
       <p:sp>
         <p:nvSpPr>
-          <p:cNvPr id="77" name="PlaceHolder 3"/>
+          <p:cNvPr id="71" name="PlaceHolder 3"/>
           <p:cNvSpPr>
             <a:spLocks noGrp="1"/>
           </p:cNvSpPr>
@@ -2503,7 +2536,7 @@
       </p:sp>
       <p:sp>
         <p:nvSpPr>
-          <p:cNvPr id="78" name="PlaceHolder 4"/>
+          <p:cNvPr id="72" name="PlaceHolder 4"/>
           <p:cNvSpPr>
             <a:spLocks noGrp="1"/>
           </p:cNvSpPr>
@@ -2533,7 +2566,7 @@
       </p:sp>
       <p:sp>
         <p:nvSpPr>
-          <p:cNvPr id="79" name="PlaceHolder 5"/>
+          <p:cNvPr id="73" name="PlaceHolder 5"/>
           <p:cNvSpPr>
             <a:spLocks noGrp="1"/>
           </p:cNvSpPr>
@@ -2563,7 +2596,7 @@
       </p:sp>
       <p:sp>
         <p:nvSpPr>
-          <p:cNvPr id="80" name="PlaceHolder 6"/>
+          <p:cNvPr id="74" name="PlaceHolder 6"/>
           <p:cNvSpPr>
             <a:spLocks noGrp="1"/>
           </p:cNvSpPr>
@@ -2593,7 +2626,7 @@
       </p:sp>
       <p:sp>
         <p:nvSpPr>
-          <p:cNvPr id="81" name="PlaceHolder 7"/>
+          <p:cNvPr id="75" name="PlaceHolder 7"/>
           <p:cNvSpPr>
             <a:spLocks noGrp="1"/>
           </p:cNvSpPr>
@@ -2616,357 +2649,6 @@
           </a:bodyPr>
           <a:p>
             <a:endParaRPr b="0" lang="en-US" sz="3200" spc="-1" strike="noStrike">
-              <a:latin typeface="Arial"/>
-            </a:endParaRPr>
-          </a:p>
-        </p:txBody>
-      </p:sp>
-    </p:spTree>
-  </p:cSld>
-</p:sldLayout>
-</file>
-
-<file path=ppt/slideLayouts/slideLayout25.xml><?xml version="1.0" encoding="utf-8"?>
-<p:sldLayout xmlns:a="http://schemas.openxmlformats.org/drawingml/2006/main" xmlns:p="http://schemas.openxmlformats.org/presentationml/2006/main" xmlns:r="http://schemas.openxmlformats.org/officeDocument/2006/relationships" xmlns:p14="http://schemas.microsoft.com/office/powerpoint/2010/main" xmlns:p15="http://schemas.microsoft.com/office/powerpoint/2012/main" xmlns:mc="http://schemas.openxmlformats.org/markup-compatibility/2006" type="blank" preserve="1">
-  <p:cSld name="Blank Slide">
-    <p:spTree>
-      <p:nvGrpSpPr>
-        <p:cNvPr id="1" name=""/>
-        <p:cNvGrpSpPr/>
-        <p:nvPr/>
-      </p:nvGrpSpPr>
-      <p:grpSpPr>
-        <a:xfrm>
-          <a:off x="0" y="0"/>
-          <a:ext cx="0" cy="0"/>
-          <a:chOff x="0" y="0"/>
-          <a:chExt cx="0" cy="0"/>
-        </a:xfrm>
-      </p:grpSpPr>
-    </p:spTree>
-  </p:cSld>
-</p:sldLayout>
-</file>
-
-<file path=ppt/slideLayouts/slideLayout26.xml><?xml version="1.0" encoding="utf-8"?>
-<p:sldLayout xmlns:a="http://schemas.openxmlformats.org/drawingml/2006/main" xmlns:p="http://schemas.openxmlformats.org/presentationml/2006/main" xmlns:r="http://schemas.openxmlformats.org/officeDocument/2006/relationships" xmlns:p14="http://schemas.microsoft.com/office/powerpoint/2010/main" xmlns:p15="http://schemas.microsoft.com/office/powerpoint/2012/main" xmlns:mc="http://schemas.openxmlformats.org/markup-compatibility/2006" type="tx" preserve="1">
-  <p:cSld name="Title Slide">
-    <p:spTree>
-      <p:nvGrpSpPr>
-        <p:cNvPr id="1" name=""/>
-        <p:cNvGrpSpPr/>
-        <p:nvPr/>
-      </p:nvGrpSpPr>
-      <p:grpSpPr>
-        <a:xfrm>
-          <a:off x="0" y="0"/>
-          <a:ext cx="0" cy="0"/>
-          <a:chOff x="0" y="0"/>
-          <a:chExt cx="0" cy="0"/>
-        </a:xfrm>
-      </p:grpSpPr>
-      <p:sp>
-        <p:nvSpPr>
-          <p:cNvPr id="88" name="PlaceHolder 1"/>
-          <p:cNvSpPr>
-            <a:spLocks noGrp="1"/>
-          </p:cNvSpPr>
-          <p:nvPr>
-            <p:ph type="title"/>
-          </p:nvPr>
-        </p:nvSpPr>
-        <p:spPr>
-          <a:xfrm>
-            <a:off x="504000" y="408600"/>
-            <a:ext cx="9071640" cy="1262520"/>
-          </a:xfrm>
-          <a:prstGeom prst="rect">
-            <a:avLst/>
-          </a:prstGeom>
-        </p:spPr>
-        <p:txBody>
-          <a:bodyPr lIns="0" rIns="0" tIns="0" bIns="0" anchor="ctr">
-            <a:spAutoFit/>
-          </a:bodyPr>
-          <a:p>
-            <a:endParaRPr b="0" lang="en-US" sz="4400" spc="-1" strike="noStrike">
-              <a:latin typeface="Arial"/>
-            </a:endParaRPr>
-          </a:p>
-        </p:txBody>
-      </p:sp>
-      <p:sp>
-        <p:nvSpPr>
-          <p:cNvPr id="89" name="PlaceHolder 2"/>
-          <p:cNvSpPr>
-            <a:spLocks noGrp="1"/>
-          </p:cNvSpPr>
-          <p:nvPr>
-            <p:ph type="subTitle"/>
-          </p:nvPr>
-        </p:nvSpPr>
-        <p:spPr>
-          <a:xfrm>
-            <a:off x="504000" y="2020680"/>
-            <a:ext cx="9071640" cy="4675320"/>
-          </a:xfrm>
-          <a:prstGeom prst="rect">
-            <a:avLst/>
-          </a:prstGeom>
-        </p:spPr>
-        <p:txBody>
-          <a:bodyPr lIns="0" rIns="0" tIns="0" bIns="0" anchor="ctr">
-            <a:spAutoFit/>
-          </a:bodyPr>
-          <a:p>
-            <a:pPr algn="ctr"/>
-            <a:endParaRPr b="0" lang="en-US" sz="3200" spc="-1" strike="noStrike">
-              <a:latin typeface="Arial"/>
-            </a:endParaRPr>
-          </a:p>
-        </p:txBody>
-      </p:sp>
-    </p:spTree>
-  </p:cSld>
-</p:sldLayout>
-</file>
-
-<file path=ppt/slideLayouts/slideLayout27.xml><?xml version="1.0" encoding="utf-8"?>
-<p:sldLayout xmlns:a="http://schemas.openxmlformats.org/drawingml/2006/main" xmlns:p="http://schemas.openxmlformats.org/presentationml/2006/main" xmlns:r="http://schemas.openxmlformats.org/officeDocument/2006/relationships" xmlns:p14="http://schemas.microsoft.com/office/powerpoint/2010/main" xmlns:p15="http://schemas.microsoft.com/office/powerpoint/2012/main" xmlns:mc="http://schemas.openxmlformats.org/markup-compatibility/2006" type="obj" preserve="1">
-  <p:cSld name="Title, Content">
-    <p:spTree>
-      <p:nvGrpSpPr>
-        <p:cNvPr id="1" name=""/>
-        <p:cNvGrpSpPr/>
-        <p:nvPr/>
-      </p:nvGrpSpPr>
-      <p:grpSpPr>
-        <a:xfrm>
-          <a:off x="0" y="0"/>
-          <a:ext cx="0" cy="0"/>
-          <a:chOff x="0" y="0"/>
-          <a:chExt cx="0" cy="0"/>
-        </a:xfrm>
-      </p:grpSpPr>
-      <p:sp>
-        <p:nvSpPr>
-          <p:cNvPr id="90" name="PlaceHolder 1"/>
-          <p:cNvSpPr>
-            <a:spLocks noGrp="1"/>
-          </p:cNvSpPr>
-          <p:nvPr>
-            <p:ph type="title"/>
-          </p:nvPr>
-        </p:nvSpPr>
-        <p:spPr>
-          <a:xfrm>
-            <a:off x="504000" y="408600"/>
-            <a:ext cx="9071640" cy="1262520"/>
-          </a:xfrm>
-          <a:prstGeom prst="rect">
-            <a:avLst/>
-          </a:prstGeom>
-        </p:spPr>
-        <p:txBody>
-          <a:bodyPr lIns="0" rIns="0" tIns="0" bIns="0" anchor="ctr">
-            <a:spAutoFit/>
-          </a:bodyPr>
-          <a:p>
-            <a:endParaRPr b="0" lang="en-US" sz="4400" spc="-1" strike="noStrike">
-              <a:latin typeface="Arial"/>
-            </a:endParaRPr>
-          </a:p>
-        </p:txBody>
-      </p:sp>
-      <p:sp>
-        <p:nvSpPr>
-          <p:cNvPr id="91" name="PlaceHolder 2"/>
-          <p:cNvSpPr>
-            <a:spLocks noGrp="1"/>
-          </p:cNvSpPr>
-          <p:nvPr>
-            <p:ph type="body"/>
-          </p:nvPr>
-        </p:nvSpPr>
-        <p:spPr>
-          <a:xfrm>
-            <a:off x="504000" y="2020680"/>
-            <a:ext cx="9071640" cy="4675320"/>
-          </a:xfrm>
-          <a:prstGeom prst="rect">
-            <a:avLst/>
-          </a:prstGeom>
-        </p:spPr>
-        <p:txBody>
-          <a:bodyPr lIns="0" rIns="0" tIns="0" bIns="0">
-            <a:normAutofit/>
-          </a:bodyPr>
-          <a:p>
-            <a:endParaRPr b="0" lang="en-US" sz="3200" spc="-1" strike="noStrike">
-              <a:latin typeface="Arial"/>
-            </a:endParaRPr>
-          </a:p>
-        </p:txBody>
-      </p:sp>
-    </p:spTree>
-  </p:cSld>
-</p:sldLayout>
-</file>
-
-<file path=ppt/slideLayouts/slideLayout28.xml><?xml version="1.0" encoding="utf-8"?>
-<p:sldLayout xmlns:a="http://schemas.openxmlformats.org/drawingml/2006/main" xmlns:p="http://schemas.openxmlformats.org/presentationml/2006/main" xmlns:r="http://schemas.openxmlformats.org/officeDocument/2006/relationships" xmlns:p14="http://schemas.microsoft.com/office/powerpoint/2010/main" xmlns:p15="http://schemas.microsoft.com/office/powerpoint/2012/main" xmlns:mc="http://schemas.openxmlformats.org/markup-compatibility/2006" type="twoObj" preserve="1">
-  <p:cSld name="Title, 2 Content">
-    <p:spTree>
-      <p:nvGrpSpPr>
-        <p:cNvPr id="1" name=""/>
-        <p:cNvGrpSpPr/>
-        <p:nvPr/>
-      </p:nvGrpSpPr>
-      <p:grpSpPr>
-        <a:xfrm>
-          <a:off x="0" y="0"/>
-          <a:ext cx="0" cy="0"/>
-          <a:chOff x="0" y="0"/>
-          <a:chExt cx="0" cy="0"/>
-        </a:xfrm>
-      </p:grpSpPr>
-      <p:sp>
-        <p:nvSpPr>
-          <p:cNvPr id="92" name="PlaceHolder 1"/>
-          <p:cNvSpPr>
-            <a:spLocks noGrp="1"/>
-          </p:cNvSpPr>
-          <p:nvPr>
-            <p:ph type="title"/>
-          </p:nvPr>
-        </p:nvSpPr>
-        <p:spPr>
-          <a:xfrm>
-            <a:off x="504000" y="408600"/>
-            <a:ext cx="9071640" cy="1262520"/>
-          </a:xfrm>
-          <a:prstGeom prst="rect">
-            <a:avLst/>
-          </a:prstGeom>
-        </p:spPr>
-        <p:txBody>
-          <a:bodyPr lIns="0" rIns="0" tIns="0" bIns="0" anchor="ctr">
-            <a:spAutoFit/>
-          </a:bodyPr>
-          <a:p>
-            <a:endParaRPr b="0" lang="en-US" sz="4400" spc="-1" strike="noStrike">
-              <a:latin typeface="Arial"/>
-            </a:endParaRPr>
-          </a:p>
-        </p:txBody>
-      </p:sp>
-      <p:sp>
-        <p:nvSpPr>
-          <p:cNvPr id="93" name="PlaceHolder 2"/>
-          <p:cNvSpPr>
-            <a:spLocks noGrp="1"/>
-          </p:cNvSpPr>
-          <p:nvPr>
-            <p:ph type="body"/>
-          </p:nvPr>
-        </p:nvSpPr>
-        <p:spPr>
-          <a:xfrm>
-            <a:off x="504000" y="2020680"/>
-            <a:ext cx="4426920" cy="4675320"/>
-          </a:xfrm>
-          <a:prstGeom prst="rect">
-            <a:avLst/>
-          </a:prstGeom>
-        </p:spPr>
-        <p:txBody>
-          <a:bodyPr lIns="0" rIns="0" tIns="0" bIns="0">
-            <a:normAutofit/>
-          </a:bodyPr>
-          <a:p>
-            <a:endParaRPr b="0" lang="en-US" sz="3200" spc="-1" strike="noStrike">
-              <a:latin typeface="Arial"/>
-            </a:endParaRPr>
-          </a:p>
-        </p:txBody>
-      </p:sp>
-      <p:sp>
-        <p:nvSpPr>
-          <p:cNvPr id="94" name="PlaceHolder 3"/>
-          <p:cNvSpPr>
-            <a:spLocks noGrp="1"/>
-          </p:cNvSpPr>
-          <p:nvPr>
-            <p:ph type="body"/>
-          </p:nvPr>
-        </p:nvSpPr>
-        <p:spPr>
-          <a:xfrm>
-            <a:off x="5152680" y="2020680"/>
-            <a:ext cx="4426920" cy="4675320"/>
-          </a:xfrm>
-          <a:prstGeom prst="rect">
-            <a:avLst/>
-          </a:prstGeom>
-        </p:spPr>
-        <p:txBody>
-          <a:bodyPr lIns="0" rIns="0" tIns="0" bIns="0">
-            <a:normAutofit/>
-          </a:bodyPr>
-          <a:p>
-            <a:endParaRPr b="0" lang="en-US" sz="3200" spc="-1" strike="noStrike">
-              <a:latin typeface="Arial"/>
-            </a:endParaRPr>
-          </a:p>
-        </p:txBody>
-      </p:sp>
-    </p:spTree>
-  </p:cSld>
-</p:sldLayout>
-</file>
-
-<file path=ppt/slideLayouts/slideLayout29.xml><?xml version="1.0" encoding="utf-8"?>
-<p:sldLayout xmlns:a="http://schemas.openxmlformats.org/drawingml/2006/main" xmlns:p="http://schemas.openxmlformats.org/presentationml/2006/main" xmlns:r="http://schemas.openxmlformats.org/officeDocument/2006/relationships" xmlns:p14="http://schemas.microsoft.com/office/powerpoint/2010/main" xmlns:p15="http://schemas.microsoft.com/office/powerpoint/2012/main" xmlns:mc="http://schemas.openxmlformats.org/markup-compatibility/2006" type="titleOnly" preserve="1">
-  <p:cSld name="Title Only">
-    <p:spTree>
-      <p:nvGrpSpPr>
-        <p:cNvPr id="1" name=""/>
-        <p:cNvGrpSpPr/>
-        <p:nvPr/>
-      </p:nvGrpSpPr>
-      <p:grpSpPr>
-        <a:xfrm>
-          <a:off x="0" y="0"/>
-          <a:ext cx="0" cy="0"/>
-          <a:chOff x="0" y="0"/>
-          <a:chExt cx="0" cy="0"/>
-        </a:xfrm>
-      </p:grpSpPr>
-      <p:sp>
-        <p:nvSpPr>
-          <p:cNvPr id="95" name="PlaceHolder 1"/>
-          <p:cNvSpPr>
-            <a:spLocks noGrp="1"/>
-          </p:cNvSpPr>
-          <p:nvPr>
-            <p:ph type="title"/>
-          </p:nvPr>
-        </p:nvSpPr>
-        <p:spPr>
-          <a:xfrm>
-            <a:off x="504000" y="408600"/>
-            <a:ext cx="9071640" cy="1262520"/>
-          </a:xfrm>
-          <a:prstGeom prst="rect">
-            <a:avLst/>
-          </a:prstGeom>
-        </p:spPr>
-        <p:txBody>
-          <a:bodyPr lIns="0" rIns="0" tIns="0" bIns="0" anchor="ctr">
-            <a:spAutoFit/>
-          </a:bodyPr>
-          <a:p>
-            <a:endParaRPr b="0" lang="en-US" sz="4400" spc="-1" strike="noStrike">
               <a:latin typeface="Arial"/>
             </a:endParaRPr>
           </a:p>
@@ -2996,7 +2678,7 @@
       </p:grpSpPr>
       <p:sp>
         <p:nvSpPr>
-          <p:cNvPr id="7" name="PlaceHolder 1"/>
+          <p:cNvPr id="4" name="PlaceHolder 1"/>
           <p:cNvSpPr>
             <a:spLocks noGrp="1"/>
           </p:cNvSpPr>
@@ -3007,7 +2689,7 @@
         <p:spPr>
           <a:xfrm>
             <a:off x="504000" y="408600"/>
-            <a:ext cx="9071640" cy="1262520"/>
+            <a:ext cx="9071280" cy="1262160"/>
           </a:xfrm>
           <a:prstGeom prst="rect">
             <a:avLst/>
@@ -3018,6 +2700,7 @@
             <a:spAutoFit/>
           </a:bodyPr>
           <a:p>
+            <a:pPr algn="ctr"/>
             <a:endParaRPr b="0" lang="en-US" sz="4400" spc="-1" strike="noStrike">
               <a:latin typeface="Arial"/>
             </a:endParaRPr>
@@ -3026,7 +2709,7 @@
       </p:sp>
       <p:sp>
         <p:nvSpPr>
-          <p:cNvPr id="8" name="PlaceHolder 2"/>
+          <p:cNvPr id="5" name="PlaceHolder 2"/>
           <p:cNvSpPr>
             <a:spLocks noGrp="1"/>
           </p:cNvSpPr>
@@ -3037,1002 +2720,7 @@
         <p:spPr>
           <a:xfrm>
             <a:off x="504000" y="2020680"/>
-            <a:ext cx="9071640" cy="4675320"/>
-          </a:xfrm>
-          <a:prstGeom prst="rect">
-            <a:avLst/>
-          </a:prstGeom>
-        </p:spPr>
-        <p:txBody>
-          <a:bodyPr lIns="0" rIns="0" tIns="0" bIns="0">
-            <a:normAutofit/>
-          </a:bodyPr>
-          <a:p>
-            <a:endParaRPr b="0" lang="en-US" sz="3200" spc="-1" strike="noStrike">
-              <a:latin typeface="Arial"/>
-            </a:endParaRPr>
-          </a:p>
-        </p:txBody>
-      </p:sp>
-    </p:spTree>
-  </p:cSld>
-</p:sldLayout>
-</file>
-
-<file path=ppt/slideLayouts/slideLayout30.xml><?xml version="1.0" encoding="utf-8"?>
-<p:sldLayout xmlns:a="http://schemas.openxmlformats.org/drawingml/2006/main" xmlns:p="http://schemas.openxmlformats.org/presentationml/2006/main" xmlns:r="http://schemas.openxmlformats.org/officeDocument/2006/relationships" xmlns:p14="http://schemas.microsoft.com/office/powerpoint/2010/main" xmlns:p15="http://schemas.microsoft.com/office/powerpoint/2012/main" xmlns:mc="http://schemas.openxmlformats.org/markup-compatibility/2006" type="objOnly" preserve="1">
-  <p:cSld name="Centered Text">
-    <p:spTree>
-      <p:nvGrpSpPr>
-        <p:cNvPr id="1" name=""/>
-        <p:cNvGrpSpPr/>
-        <p:nvPr/>
-      </p:nvGrpSpPr>
-      <p:grpSpPr>
-        <a:xfrm>
-          <a:off x="0" y="0"/>
-          <a:ext cx="0" cy="0"/>
-          <a:chOff x="0" y="0"/>
-          <a:chExt cx="0" cy="0"/>
-        </a:xfrm>
-      </p:grpSpPr>
-      <p:sp>
-        <p:nvSpPr>
-          <p:cNvPr id="96" name="PlaceHolder 1"/>
-          <p:cNvSpPr>
-            <a:spLocks noGrp="1"/>
-          </p:cNvSpPr>
-          <p:nvPr>
-            <p:ph type="subTitle"/>
-          </p:nvPr>
-        </p:nvSpPr>
-        <p:spPr>
-          <a:xfrm>
-            <a:off x="504000" y="408600"/>
-            <a:ext cx="9071640" cy="5853600"/>
-          </a:xfrm>
-          <a:prstGeom prst="rect">
-            <a:avLst/>
-          </a:prstGeom>
-        </p:spPr>
-        <p:txBody>
-          <a:bodyPr lIns="0" rIns="0" tIns="0" bIns="0" anchor="ctr">
-            <a:spAutoFit/>
-          </a:bodyPr>
-          <a:p>
-            <a:pPr algn="ctr"/>
-            <a:endParaRPr b="0" lang="en-US" sz="3200" spc="-1" strike="noStrike">
-              <a:latin typeface="Arial"/>
-            </a:endParaRPr>
-          </a:p>
-        </p:txBody>
-      </p:sp>
-    </p:spTree>
-  </p:cSld>
-</p:sldLayout>
-</file>
-
-<file path=ppt/slideLayouts/slideLayout31.xml><?xml version="1.0" encoding="utf-8"?>
-<p:sldLayout xmlns:a="http://schemas.openxmlformats.org/drawingml/2006/main" xmlns:p="http://schemas.openxmlformats.org/presentationml/2006/main" xmlns:r="http://schemas.openxmlformats.org/officeDocument/2006/relationships" xmlns:p14="http://schemas.microsoft.com/office/powerpoint/2010/main" xmlns:p15="http://schemas.microsoft.com/office/powerpoint/2012/main" xmlns:mc="http://schemas.openxmlformats.org/markup-compatibility/2006" type="twoObjAndObj" preserve="1">
-  <p:cSld name="Title, 2 Content and Content">
-    <p:spTree>
-      <p:nvGrpSpPr>
-        <p:cNvPr id="1" name=""/>
-        <p:cNvGrpSpPr/>
-        <p:nvPr/>
-      </p:nvGrpSpPr>
-      <p:grpSpPr>
-        <a:xfrm>
-          <a:off x="0" y="0"/>
-          <a:ext cx="0" cy="0"/>
-          <a:chOff x="0" y="0"/>
-          <a:chExt cx="0" cy="0"/>
-        </a:xfrm>
-      </p:grpSpPr>
-      <p:sp>
-        <p:nvSpPr>
-          <p:cNvPr id="97" name="PlaceHolder 1"/>
-          <p:cNvSpPr>
-            <a:spLocks noGrp="1"/>
-          </p:cNvSpPr>
-          <p:nvPr>
-            <p:ph type="title"/>
-          </p:nvPr>
-        </p:nvSpPr>
-        <p:spPr>
-          <a:xfrm>
-            <a:off x="504000" y="408600"/>
-            <a:ext cx="9071640" cy="1262520"/>
-          </a:xfrm>
-          <a:prstGeom prst="rect">
-            <a:avLst/>
-          </a:prstGeom>
-        </p:spPr>
-        <p:txBody>
-          <a:bodyPr lIns="0" rIns="0" tIns="0" bIns="0" anchor="ctr">
-            <a:spAutoFit/>
-          </a:bodyPr>
-          <a:p>
-            <a:endParaRPr b="0" lang="en-US" sz="4400" spc="-1" strike="noStrike">
-              <a:latin typeface="Arial"/>
-            </a:endParaRPr>
-          </a:p>
-        </p:txBody>
-      </p:sp>
-      <p:sp>
-        <p:nvSpPr>
-          <p:cNvPr id="98" name="PlaceHolder 2"/>
-          <p:cNvSpPr>
-            <a:spLocks noGrp="1"/>
-          </p:cNvSpPr>
-          <p:nvPr>
-            <p:ph type="body"/>
-          </p:nvPr>
-        </p:nvSpPr>
-        <p:spPr>
-          <a:xfrm>
-            <a:off x="504000" y="2020680"/>
-            <a:ext cx="4426920" cy="2229840"/>
-          </a:xfrm>
-          <a:prstGeom prst="rect">
-            <a:avLst/>
-          </a:prstGeom>
-        </p:spPr>
-        <p:txBody>
-          <a:bodyPr lIns="0" rIns="0" tIns="0" bIns="0">
-            <a:normAutofit/>
-          </a:bodyPr>
-          <a:p>
-            <a:endParaRPr b="0" lang="en-US" sz="3200" spc="-1" strike="noStrike">
-              <a:latin typeface="Arial"/>
-            </a:endParaRPr>
-          </a:p>
-        </p:txBody>
-      </p:sp>
-      <p:sp>
-        <p:nvSpPr>
-          <p:cNvPr id="99" name="PlaceHolder 3"/>
-          <p:cNvSpPr>
-            <a:spLocks noGrp="1"/>
-          </p:cNvSpPr>
-          <p:nvPr>
-            <p:ph type="body"/>
-          </p:nvPr>
-        </p:nvSpPr>
-        <p:spPr>
-          <a:xfrm>
-            <a:off x="5152680" y="2020680"/>
-            <a:ext cx="4426920" cy="4675320"/>
-          </a:xfrm>
-          <a:prstGeom prst="rect">
-            <a:avLst/>
-          </a:prstGeom>
-        </p:spPr>
-        <p:txBody>
-          <a:bodyPr lIns="0" rIns="0" tIns="0" bIns="0">
-            <a:normAutofit/>
-          </a:bodyPr>
-          <a:p>
-            <a:endParaRPr b="0" lang="en-US" sz="3200" spc="-1" strike="noStrike">
-              <a:latin typeface="Arial"/>
-            </a:endParaRPr>
-          </a:p>
-        </p:txBody>
-      </p:sp>
-      <p:sp>
-        <p:nvSpPr>
-          <p:cNvPr id="100" name="PlaceHolder 4"/>
-          <p:cNvSpPr>
-            <a:spLocks noGrp="1"/>
-          </p:cNvSpPr>
-          <p:nvPr>
-            <p:ph type="body"/>
-          </p:nvPr>
-        </p:nvSpPr>
-        <p:spPr>
-          <a:xfrm>
-            <a:off x="504000" y="4462920"/>
-            <a:ext cx="4426920" cy="2229840"/>
-          </a:xfrm>
-          <a:prstGeom prst="rect">
-            <a:avLst/>
-          </a:prstGeom>
-        </p:spPr>
-        <p:txBody>
-          <a:bodyPr lIns="0" rIns="0" tIns="0" bIns="0">
-            <a:normAutofit/>
-          </a:bodyPr>
-          <a:p>
-            <a:endParaRPr b="0" lang="en-US" sz="3200" spc="-1" strike="noStrike">
-              <a:latin typeface="Arial"/>
-            </a:endParaRPr>
-          </a:p>
-        </p:txBody>
-      </p:sp>
-    </p:spTree>
-  </p:cSld>
-</p:sldLayout>
-</file>
-
-<file path=ppt/slideLayouts/slideLayout32.xml><?xml version="1.0" encoding="utf-8"?>
-<p:sldLayout xmlns:a="http://schemas.openxmlformats.org/drawingml/2006/main" xmlns:p="http://schemas.openxmlformats.org/presentationml/2006/main" xmlns:r="http://schemas.openxmlformats.org/officeDocument/2006/relationships" xmlns:p14="http://schemas.microsoft.com/office/powerpoint/2010/main" xmlns:p15="http://schemas.microsoft.com/office/powerpoint/2012/main" xmlns:mc="http://schemas.openxmlformats.org/markup-compatibility/2006" type="objAndTwoObj" preserve="1">
-  <p:cSld name="Title Content and 2 Content">
-    <p:spTree>
-      <p:nvGrpSpPr>
-        <p:cNvPr id="1" name=""/>
-        <p:cNvGrpSpPr/>
-        <p:nvPr/>
-      </p:nvGrpSpPr>
-      <p:grpSpPr>
-        <a:xfrm>
-          <a:off x="0" y="0"/>
-          <a:ext cx="0" cy="0"/>
-          <a:chOff x="0" y="0"/>
-          <a:chExt cx="0" cy="0"/>
-        </a:xfrm>
-      </p:grpSpPr>
-      <p:sp>
-        <p:nvSpPr>
-          <p:cNvPr id="101" name="PlaceHolder 1"/>
-          <p:cNvSpPr>
-            <a:spLocks noGrp="1"/>
-          </p:cNvSpPr>
-          <p:nvPr>
-            <p:ph type="title"/>
-          </p:nvPr>
-        </p:nvSpPr>
-        <p:spPr>
-          <a:xfrm>
-            <a:off x="504000" y="408600"/>
-            <a:ext cx="9071640" cy="1262520"/>
-          </a:xfrm>
-          <a:prstGeom prst="rect">
-            <a:avLst/>
-          </a:prstGeom>
-        </p:spPr>
-        <p:txBody>
-          <a:bodyPr lIns="0" rIns="0" tIns="0" bIns="0" anchor="ctr">
-            <a:spAutoFit/>
-          </a:bodyPr>
-          <a:p>
-            <a:endParaRPr b="0" lang="en-US" sz="4400" spc="-1" strike="noStrike">
-              <a:latin typeface="Arial"/>
-            </a:endParaRPr>
-          </a:p>
-        </p:txBody>
-      </p:sp>
-      <p:sp>
-        <p:nvSpPr>
-          <p:cNvPr id="102" name="PlaceHolder 2"/>
-          <p:cNvSpPr>
-            <a:spLocks noGrp="1"/>
-          </p:cNvSpPr>
-          <p:nvPr>
-            <p:ph type="body"/>
-          </p:nvPr>
-        </p:nvSpPr>
-        <p:spPr>
-          <a:xfrm>
-            <a:off x="504000" y="2020680"/>
-            <a:ext cx="4426920" cy="4675320"/>
-          </a:xfrm>
-          <a:prstGeom prst="rect">
-            <a:avLst/>
-          </a:prstGeom>
-        </p:spPr>
-        <p:txBody>
-          <a:bodyPr lIns="0" rIns="0" tIns="0" bIns="0">
-            <a:normAutofit/>
-          </a:bodyPr>
-          <a:p>
-            <a:endParaRPr b="0" lang="en-US" sz="3200" spc="-1" strike="noStrike">
-              <a:latin typeface="Arial"/>
-            </a:endParaRPr>
-          </a:p>
-        </p:txBody>
-      </p:sp>
-      <p:sp>
-        <p:nvSpPr>
-          <p:cNvPr id="103" name="PlaceHolder 3"/>
-          <p:cNvSpPr>
-            <a:spLocks noGrp="1"/>
-          </p:cNvSpPr>
-          <p:nvPr>
-            <p:ph type="body"/>
-          </p:nvPr>
-        </p:nvSpPr>
-        <p:spPr>
-          <a:xfrm>
-            <a:off x="5152680" y="2020680"/>
-            <a:ext cx="4426920" cy="2229840"/>
-          </a:xfrm>
-          <a:prstGeom prst="rect">
-            <a:avLst/>
-          </a:prstGeom>
-        </p:spPr>
-        <p:txBody>
-          <a:bodyPr lIns="0" rIns="0" tIns="0" bIns="0">
-            <a:normAutofit/>
-          </a:bodyPr>
-          <a:p>
-            <a:endParaRPr b="0" lang="en-US" sz="3200" spc="-1" strike="noStrike">
-              <a:latin typeface="Arial"/>
-            </a:endParaRPr>
-          </a:p>
-        </p:txBody>
-      </p:sp>
-      <p:sp>
-        <p:nvSpPr>
-          <p:cNvPr id="104" name="PlaceHolder 4"/>
-          <p:cNvSpPr>
-            <a:spLocks noGrp="1"/>
-          </p:cNvSpPr>
-          <p:nvPr>
-            <p:ph type="body"/>
-          </p:nvPr>
-        </p:nvSpPr>
-        <p:spPr>
-          <a:xfrm>
-            <a:off x="5152680" y="4462920"/>
-            <a:ext cx="4426920" cy="2229840"/>
-          </a:xfrm>
-          <a:prstGeom prst="rect">
-            <a:avLst/>
-          </a:prstGeom>
-        </p:spPr>
-        <p:txBody>
-          <a:bodyPr lIns="0" rIns="0" tIns="0" bIns="0">
-            <a:normAutofit/>
-          </a:bodyPr>
-          <a:p>
-            <a:endParaRPr b="0" lang="en-US" sz="3200" spc="-1" strike="noStrike">
-              <a:latin typeface="Arial"/>
-            </a:endParaRPr>
-          </a:p>
-        </p:txBody>
-      </p:sp>
-    </p:spTree>
-  </p:cSld>
-</p:sldLayout>
-</file>
-
-<file path=ppt/slideLayouts/slideLayout33.xml><?xml version="1.0" encoding="utf-8"?>
-<p:sldLayout xmlns:a="http://schemas.openxmlformats.org/drawingml/2006/main" xmlns:p="http://schemas.openxmlformats.org/presentationml/2006/main" xmlns:r="http://schemas.openxmlformats.org/officeDocument/2006/relationships" xmlns:p14="http://schemas.microsoft.com/office/powerpoint/2010/main" xmlns:p15="http://schemas.microsoft.com/office/powerpoint/2012/main" xmlns:mc="http://schemas.openxmlformats.org/markup-compatibility/2006" type="twoObjOverTx" preserve="1">
-  <p:cSld name="Title, 2 Content over Content">
-    <p:spTree>
-      <p:nvGrpSpPr>
-        <p:cNvPr id="1" name=""/>
-        <p:cNvGrpSpPr/>
-        <p:nvPr/>
-      </p:nvGrpSpPr>
-      <p:grpSpPr>
-        <a:xfrm>
-          <a:off x="0" y="0"/>
-          <a:ext cx="0" cy="0"/>
-          <a:chOff x="0" y="0"/>
-          <a:chExt cx="0" cy="0"/>
-        </a:xfrm>
-      </p:grpSpPr>
-      <p:sp>
-        <p:nvSpPr>
-          <p:cNvPr id="105" name="PlaceHolder 1"/>
-          <p:cNvSpPr>
-            <a:spLocks noGrp="1"/>
-          </p:cNvSpPr>
-          <p:nvPr>
-            <p:ph type="title"/>
-          </p:nvPr>
-        </p:nvSpPr>
-        <p:spPr>
-          <a:xfrm>
-            <a:off x="504000" y="408600"/>
-            <a:ext cx="9071640" cy="1262520"/>
-          </a:xfrm>
-          <a:prstGeom prst="rect">
-            <a:avLst/>
-          </a:prstGeom>
-        </p:spPr>
-        <p:txBody>
-          <a:bodyPr lIns="0" rIns="0" tIns="0" bIns="0" anchor="ctr">
-            <a:spAutoFit/>
-          </a:bodyPr>
-          <a:p>
-            <a:endParaRPr b="0" lang="en-US" sz="4400" spc="-1" strike="noStrike">
-              <a:latin typeface="Arial"/>
-            </a:endParaRPr>
-          </a:p>
-        </p:txBody>
-      </p:sp>
-      <p:sp>
-        <p:nvSpPr>
-          <p:cNvPr id="106" name="PlaceHolder 2"/>
-          <p:cNvSpPr>
-            <a:spLocks noGrp="1"/>
-          </p:cNvSpPr>
-          <p:nvPr>
-            <p:ph type="body"/>
-          </p:nvPr>
-        </p:nvSpPr>
-        <p:spPr>
-          <a:xfrm>
-            <a:off x="504000" y="2020680"/>
-            <a:ext cx="4426920" cy="2229840"/>
-          </a:xfrm>
-          <a:prstGeom prst="rect">
-            <a:avLst/>
-          </a:prstGeom>
-        </p:spPr>
-        <p:txBody>
-          <a:bodyPr lIns="0" rIns="0" tIns="0" bIns="0">
-            <a:normAutofit/>
-          </a:bodyPr>
-          <a:p>
-            <a:endParaRPr b="0" lang="en-US" sz="3200" spc="-1" strike="noStrike">
-              <a:latin typeface="Arial"/>
-            </a:endParaRPr>
-          </a:p>
-        </p:txBody>
-      </p:sp>
-      <p:sp>
-        <p:nvSpPr>
-          <p:cNvPr id="107" name="PlaceHolder 3"/>
-          <p:cNvSpPr>
-            <a:spLocks noGrp="1"/>
-          </p:cNvSpPr>
-          <p:nvPr>
-            <p:ph type="body"/>
-          </p:nvPr>
-        </p:nvSpPr>
-        <p:spPr>
-          <a:xfrm>
-            <a:off x="5152680" y="2020680"/>
-            <a:ext cx="4426920" cy="2229840"/>
-          </a:xfrm>
-          <a:prstGeom prst="rect">
-            <a:avLst/>
-          </a:prstGeom>
-        </p:spPr>
-        <p:txBody>
-          <a:bodyPr lIns="0" rIns="0" tIns="0" bIns="0">
-            <a:normAutofit/>
-          </a:bodyPr>
-          <a:p>
-            <a:endParaRPr b="0" lang="en-US" sz="3200" spc="-1" strike="noStrike">
-              <a:latin typeface="Arial"/>
-            </a:endParaRPr>
-          </a:p>
-        </p:txBody>
-      </p:sp>
-      <p:sp>
-        <p:nvSpPr>
-          <p:cNvPr id="108" name="PlaceHolder 4"/>
-          <p:cNvSpPr>
-            <a:spLocks noGrp="1"/>
-          </p:cNvSpPr>
-          <p:nvPr>
-            <p:ph type="body"/>
-          </p:nvPr>
-        </p:nvSpPr>
-        <p:spPr>
-          <a:xfrm>
-            <a:off x="504000" y="4462920"/>
-            <a:ext cx="9071640" cy="2229840"/>
-          </a:xfrm>
-          <a:prstGeom prst="rect">
-            <a:avLst/>
-          </a:prstGeom>
-        </p:spPr>
-        <p:txBody>
-          <a:bodyPr lIns="0" rIns="0" tIns="0" bIns="0">
-            <a:normAutofit/>
-          </a:bodyPr>
-          <a:p>
-            <a:endParaRPr b="0" lang="en-US" sz="3200" spc="-1" strike="noStrike">
-              <a:latin typeface="Arial"/>
-            </a:endParaRPr>
-          </a:p>
-        </p:txBody>
-      </p:sp>
-    </p:spTree>
-  </p:cSld>
-</p:sldLayout>
-</file>
-
-<file path=ppt/slideLayouts/slideLayout34.xml><?xml version="1.0" encoding="utf-8"?>
-<p:sldLayout xmlns:a="http://schemas.openxmlformats.org/drawingml/2006/main" xmlns:p="http://schemas.openxmlformats.org/presentationml/2006/main" xmlns:r="http://schemas.openxmlformats.org/officeDocument/2006/relationships" xmlns:p14="http://schemas.microsoft.com/office/powerpoint/2010/main" xmlns:p15="http://schemas.microsoft.com/office/powerpoint/2012/main" xmlns:mc="http://schemas.openxmlformats.org/markup-compatibility/2006" type="objOverTx" preserve="1">
-  <p:cSld name="Title, Content over Content">
-    <p:spTree>
-      <p:nvGrpSpPr>
-        <p:cNvPr id="1" name=""/>
-        <p:cNvGrpSpPr/>
-        <p:nvPr/>
-      </p:nvGrpSpPr>
-      <p:grpSpPr>
-        <a:xfrm>
-          <a:off x="0" y="0"/>
-          <a:ext cx="0" cy="0"/>
-          <a:chOff x="0" y="0"/>
-          <a:chExt cx="0" cy="0"/>
-        </a:xfrm>
-      </p:grpSpPr>
-      <p:sp>
-        <p:nvSpPr>
-          <p:cNvPr id="109" name="PlaceHolder 1"/>
-          <p:cNvSpPr>
-            <a:spLocks noGrp="1"/>
-          </p:cNvSpPr>
-          <p:nvPr>
-            <p:ph type="title"/>
-          </p:nvPr>
-        </p:nvSpPr>
-        <p:spPr>
-          <a:xfrm>
-            <a:off x="504000" y="408600"/>
-            <a:ext cx="9071640" cy="1262520"/>
-          </a:xfrm>
-          <a:prstGeom prst="rect">
-            <a:avLst/>
-          </a:prstGeom>
-        </p:spPr>
-        <p:txBody>
-          <a:bodyPr lIns="0" rIns="0" tIns="0" bIns="0" anchor="ctr">
-            <a:spAutoFit/>
-          </a:bodyPr>
-          <a:p>
-            <a:endParaRPr b="0" lang="en-US" sz="4400" spc="-1" strike="noStrike">
-              <a:latin typeface="Arial"/>
-            </a:endParaRPr>
-          </a:p>
-        </p:txBody>
-      </p:sp>
-      <p:sp>
-        <p:nvSpPr>
-          <p:cNvPr id="110" name="PlaceHolder 2"/>
-          <p:cNvSpPr>
-            <a:spLocks noGrp="1"/>
-          </p:cNvSpPr>
-          <p:nvPr>
-            <p:ph type="body"/>
-          </p:nvPr>
-        </p:nvSpPr>
-        <p:spPr>
-          <a:xfrm>
-            <a:off x="504000" y="2020680"/>
-            <a:ext cx="9071640" cy="2229840"/>
-          </a:xfrm>
-          <a:prstGeom prst="rect">
-            <a:avLst/>
-          </a:prstGeom>
-        </p:spPr>
-        <p:txBody>
-          <a:bodyPr lIns="0" rIns="0" tIns="0" bIns="0">
-            <a:normAutofit/>
-          </a:bodyPr>
-          <a:p>
-            <a:endParaRPr b="0" lang="en-US" sz="3200" spc="-1" strike="noStrike">
-              <a:latin typeface="Arial"/>
-            </a:endParaRPr>
-          </a:p>
-        </p:txBody>
-      </p:sp>
-      <p:sp>
-        <p:nvSpPr>
-          <p:cNvPr id="111" name="PlaceHolder 3"/>
-          <p:cNvSpPr>
-            <a:spLocks noGrp="1"/>
-          </p:cNvSpPr>
-          <p:nvPr>
-            <p:ph type="body"/>
-          </p:nvPr>
-        </p:nvSpPr>
-        <p:spPr>
-          <a:xfrm>
-            <a:off x="504000" y="4462920"/>
-            <a:ext cx="9071640" cy="2229840"/>
-          </a:xfrm>
-          <a:prstGeom prst="rect">
-            <a:avLst/>
-          </a:prstGeom>
-        </p:spPr>
-        <p:txBody>
-          <a:bodyPr lIns="0" rIns="0" tIns="0" bIns="0">
-            <a:normAutofit/>
-          </a:bodyPr>
-          <a:p>
-            <a:endParaRPr b="0" lang="en-US" sz="3200" spc="-1" strike="noStrike">
-              <a:latin typeface="Arial"/>
-            </a:endParaRPr>
-          </a:p>
-        </p:txBody>
-      </p:sp>
-    </p:spTree>
-  </p:cSld>
-</p:sldLayout>
-</file>
-
-<file path=ppt/slideLayouts/slideLayout35.xml><?xml version="1.0" encoding="utf-8"?>
-<p:sldLayout xmlns:a="http://schemas.openxmlformats.org/drawingml/2006/main" xmlns:p="http://schemas.openxmlformats.org/presentationml/2006/main" xmlns:r="http://schemas.openxmlformats.org/officeDocument/2006/relationships" xmlns:p14="http://schemas.microsoft.com/office/powerpoint/2010/main" xmlns:p15="http://schemas.microsoft.com/office/powerpoint/2012/main" xmlns:mc="http://schemas.openxmlformats.org/markup-compatibility/2006" type="fourObj" preserve="1">
-  <p:cSld name="Title, 4 Content">
-    <p:spTree>
-      <p:nvGrpSpPr>
-        <p:cNvPr id="1" name=""/>
-        <p:cNvGrpSpPr/>
-        <p:nvPr/>
-      </p:nvGrpSpPr>
-      <p:grpSpPr>
-        <a:xfrm>
-          <a:off x="0" y="0"/>
-          <a:ext cx="0" cy="0"/>
-          <a:chOff x="0" y="0"/>
-          <a:chExt cx="0" cy="0"/>
-        </a:xfrm>
-      </p:grpSpPr>
-      <p:sp>
-        <p:nvSpPr>
-          <p:cNvPr id="112" name="PlaceHolder 1"/>
-          <p:cNvSpPr>
-            <a:spLocks noGrp="1"/>
-          </p:cNvSpPr>
-          <p:nvPr>
-            <p:ph type="title"/>
-          </p:nvPr>
-        </p:nvSpPr>
-        <p:spPr>
-          <a:xfrm>
-            <a:off x="504000" y="408600"/>
-            <a:ext cx="9071640" cy="1262520"/>
-          </a:xfrm>
-          <a:prstGeom prst="rect">
-            <a:avLst/>
-          </a:prstGeom>
-        </p:spPr>
-        <p:txBody>
-          <a:bodyPr lIns="0" rIns="0" tIns="0" bIns="0" anchor="ctr">
-            <a:spAutoFit/>
-          </a:bodyPr>
-          <a:p>
-            <a:endParaRPr b="0" lang="en-US" sz="4400" spc="-1" strike="noStrike">
-              <a:latin typeface="Arial"/>
-            </a:endParaRPr>
-          </a:p>
-        </p:txBody>
-      </p:sp>
-      <p:sp>
-        <p:nvSpPr>
-          <p:cNvPr id="113" name="PlaceHolder 2"/>
-          <p:cNvSpPr>
-            <a:spLocks noGrp="1"/>
-          </p:cNvSpPr>
-          <p:nvPr>
-            <p:ph type="body"/>
-          </p:nvPr>
-        </p:nvSpPr>
-        <p:spPr>
-          <a:xfrm>
-            <a:off x="504000" y="2020680"/>
-            <a:ext cx="4426920" cy="2229840"/>
-          </a:xfrm>
-          <a:prstGeom prst="rect">
-            <a:avLst/>
-          </a:prstGeom>
-        </p:spPr>
-        <p:txBody>
-          <a:bodyPr lIns="0" rIns="0" tIns="0" bIns="0">
-            <a:normAutofit/>
-          </a:bodyPr>
-          <a:p>
-            <a:endParaRPr b="0" lang="en-US" sz="3200" spc="-1" strike="noStrike">
-              <a:latin typeface="Arial"/>
-            </a:endParaRPr>
-          </a:p>
-        </p:txBody>
-      </p:sp>
-      <p:sp>
-        <p:nvSpPr>
-          <p:cNvPr id="114" name="PlaceHolder 3"/>
-          <p:cNvSpPr>
-            <a:spLocks noGrp="1"/>
-          </p:cNvSpPr>
-          <p:nvPr>
-            <p:ph type="body"/>
-          </p:nvPr>
-        </p:nvSpPr>
-        <p:spPr>
-          <a:xfrm>
-            <a:off x="5152680" y="2020680"/>
-            <a:ext cx="4426920" cy="2229840"/>
-          </a:xfrm>
-          <a:prstGeom prst="rect">
-            <a:avLst/>
-          </a:prstGeom>
-        </p:spPr>
-        <p:txBody>
-          <a:bodyPr lIns="0" rIns="0" tIns="0" bIns="0">
-            <a:normAutofit/>
-          </a:bodyPr>
-          <a:p>
-            <a:endParaRPr b="0" lang="en-US" sz="3200" spc="-1" strike="noStrike">
-              <a:latin typeface="Arial"/>
-            </a:endParaRPr>
-          </a:p>
-        </p:txBody>
-      </p:sp>
-      <p:sp>
-        <p:nvSpPr>
-          <p:cNvPr id="115" name="PlaceHolder 4"/>
-          <p:cNvSpPr>
-            <a:spLocks noGrp="1"/>
-          </p:cNvSpPr>
-          <p:nvPr>
-            <p:ph type="body"/>
-          </p:nvPr>
-        </p:nvSpPr>
-        <p:spPr>
-          <a:xfrm>
-            <a:off x="504000" y="4462920"/>
-            <a:ext cx="4426920" cy="2229840"/>
-          </a:xfrm>
-          <a:prstGeom prst="rect">
-            <a:avLst/>
-          </a:prstGeom>
-        </p:spPr>
-        <p:txBody>
-          <a:bodyPr lIns="0" rIns="0" tIns="0" bIns="0">
-            <a:normAutofit/>
-          </a:bodyPr>
-          <a:p>
-            <a:endParaRPr b="0" lang="en-US" sz="3200" spc="-1" strike="noStrike">
-              <a:latin typeface="Arial"/>
-            </a:endParaRPr>
-          </a:p>
-        </p:txBody>
-      </p:sp>
-      <p:sp>
-        <p:nvSpPr>
-          <p:cNvPr id="116" name="PlaceHolder 5"/>
-          <p:cNvSpPr>
-            <a:spLocks noGrp="1"/>
-          </p:cNvSpPr>
-          <p:nvPr>
-            <p:ph type="body"/>
-          </p:nvPr>
-        </p:nvSpPr>
-        <p:spPr>
-          <a:xfrm>
-            <a:off x="5152680" y="4462920"/>
-            <a:ext cx="4426920" cy="2229840"/>
-          </a:xfrm>
-          <a:prstGeom prst="rect">
-            <a:avLst/>
-          </a:prstGeom>
-        </p:spPr>
-        <p:txBody>
-          <a:bodyPr lIns="0" rIns="0" tIns="0" bIns="0">
-            <a:normAutofit/>
-          </a:bodyPr>
-          <a:p>
-            <a:endParaRPr b="0" lang="en-US" sz="3200" spc="-1" strike="noStrike">
-              <a:latin typeface="Arial"/>
-            </a:endParaRPr>
-          </a:p>
-        </p:txBody>
-      </p:sp>
-    </p:spTree>
-  </p:cSld>
-</p:sldLayout>
-</file>
-
-<file path=ppt/slideLayouts/slideLayout36.xml><?xml version="1.0" encoding="utf-8"?>
-<p:sldLayout xmlns:a="http://schemas.openxmlformats.org/drawingml/2006/main" xmlns:p="http://schemas.openxmlformats.org/presentationml/2006/main" xmlns:r="http://schemas.openxmlformats.org/officeDocument/2006/relationships" xmlns:p14="http://schemas.microsoft.com/office/powerpoint/2010/main" xmlns:p15="http://schemas.microsoft.com/office/powerpoint/2012/main" xmlns:mc="http://schemas.openxmlformats.org/markup-compatibility/2006" type="blank" preserve="1">
-  <p:cSld name="Title, 6 Content">
-    <p:spTree>
-      <p:nvGrpSpPr>
-        <p:cNvPr id="1" name=""/>
-        <p:cNvGrpSpPr/>
-        <p:nvPr/>
-      </p:nvGrpSpPr>
-      <p:grpSpPr>
-        <a:xfrm>
-          <a:off x="0" y="0"/>
-          <a:ext cx="0" cy="0"/>
-          <a:chOff x="0" y="0"/>
-          <a:chExt cx="0" cy="0"/>
-        </a:xfrm>
-      </p:grpSpPr>
-      <p:sp>
-        <p:nvSpPr>
-          <p:cNvPr id="117" name="PlaceHolder 1"/>
-          <p:cNvSpPr>
-            <a:spLocks noGrp="1"/>
-          </p:cNvSpPr>
-          <p:nvPr>
-            <p:ph type="title"/>
-          </p:nvPr>
-        </p:nvSpPr>
-        <p:spPr>
-          <a:xfrm>
-            <a:off x="504000" y="408600"/>
-            <a:ext cx="9071640" cy="1262520"/>
-          </a:xfrm>
-          <a:prstGeom prst="rect">
-            <a:avLst/>
-          </a:prstGeom>
-        </p:spPr>
-        <p:txBody>
-          <a:bodyPr lIns="0" rIns="0" tIns="0" bIns="0" anchor="ctr">
-            <a:spAutoFit/>
-          </a:bodyPr>
-          <a:p>
-            <a:endParaRPr b="0" lang="en-US" sz="4400" spc="-1" strike="noStrike">
-              <a:latin typeface="Arial"/>
-            </a:endParaRPr>
-          </a:p>
-        </p:txBody>
-      </p:sp>
-      <p:sp>
-        <p:nvSpPr>
-          <p:cNvPr id="118" name="PlaceHolder 2"/>
-          <p:cNvSpPr>
-            <a:spLocks noGrp="1"/>
-          </p:cNvSpPr>
-          <p:nvPr>
-            <p:ph type="body"/>
-          </p:nvPr>
-        </p:nvSpPr>
-        <p:spPr>
-          <a:xfrm>
-            <a:off x="504000" y="2020680"/>
-            <a:ext cx="2920680" cy="2229840"/>
-          </a:xfrm>
-          <a:prstGeom prst="rect">
-            <a:avLst/>
-          </a:prstGeom>
-        </p:spPr>
-        <p:txBody>
-          <a:bodyPr lIns="0" rIns="0" tIns="0" bIns="0">
-            <a:normAutofit/>
-          </a:bodyPr>
-          <a:p>
-            <a:endParaRPr b="0" lang="en-US" sz="3200" spc="-1" strike="noStrike">
-              <a:latin typeface="Arial"/>
-            </a:endParaRPr>
-          </a:p>
-        </p:txBody>
-      </p:sp>
-      <p:sp>
-        <p:nvSpPr>
-          <p:cNvPr id="119" name="PlaceHolder 3"/>
-          <p:cNvSpPr>
-            <a:spLocks noGrp="1"/>
-          </p:cNvSpPr>
-          <p:nvPr>
-            <p:ph type="body"/>
-          </p:nvPr>
-        </p:nvSpPr>
-        <p:spPr>
-          <a:xfrm>
-            <a:off x="3571200" y="2020680"/>
-            <a:ext cx="2920680" cy="2229840"/>
-          </a:xfrm>
-          <a:prstGeom prst="rect">
-            <a:avLst/>
-          </a:prstGeom>
-        </p:spPr>
-        <p:txBody>
-          <a:bodyPr lIns="0" rIns="0" tIns="0" bIns="0">
-            <a:normAutofit/>
-          </a:bodyPr>
-          <a:p>
-            <a:endParaRPr b="0" lang="en-US" sz="3200" spc="-1" strike="noStrike">
-              <a:latin typeface="Arial"/>
-            </a:endParaRPr>
-          </a:p>
-        </p:txBody>
-      </p:sp>
-      <p:sp>
-        <p:nvSpPr>
-          <p:cNvPr id="120" name="PlaceHolder 4"/>
-          <p:cNvSpPr>
-            <a:spLocks noGrp="1"/>
-          </p:cNvSpPr>
-          <p:nvPr>
-            <p:ph type="body"/>
-          </p:nvPr>
-        </p:nvSpPr>
-        <p:spPr>
-          <a:xfrm>
-            <a:off x="6638040" y="2020680"/>
-            <a:ext cx="2920680" cy="2229840"/>
-          </a:xfrm>
-          <a:prstGeom prst="rect">
-            <a:avLst/>
-          </a:prstGeom>
-        </p:spPr>
-        <p:txBody>
-          <a:bodyPr lIns="0" rIns="0" tIns="0" bIns="0">
-            <a:normAutofit/>
-          </a:bodyPr>
-          <a:p>
-            <a:endParaRPr b="0" lang="en-US" sz="3200" spc="-1" strike="noStrike">
-              <a:latin typeface="Arial"/>
-            </a:endParaRPr>
-          </a:p>
-        </p:txBody>
-      </p:sp>
-      <p:sp>
-        <p:nvSpPr>
-          <p:cNvPr id="121" name="PlaceHolder 5"/>
-          <p:cNvSpPr>
-            <a:spLocks noGrp="1"/>
-          </p:cNvSpPr>
-          <p:nvPr>
-            <p:ph type="body"/>
-          </p:nvPr>
-        </p:nvSpPr>
-        <p:spPr>
-          <a:xfrm>
-            <a:off x="504000" y="4462920"/>
-            <a:ext cx="2920680" cy="2229840"/>
-          </a:xfrm>
-          <a:prstGeom prst="rect">
-            <a:avLst/>
-          </a:prstGeom>
-        </p:spPr>
-        <p:txBody>
-          <a:bodyPr lIns="0" rIns="0" tIns="0" bIns="0">
-            <a:normAutofit/>
-          </a:bodyPr>
-          <a:p>
-            <a:endParaRPr b="0" lang="en-US" sz="3200" spc="-1" strike="noStrike">
-              <a:latin typeface="Arial"/>
-            </a:endParaRPr>
-          </a:p>
-        </p:txBody>
-      </p:sp>
-      <p:sp>
-        <p:nvSpPr>
-          <p:cNvPr id="122" name="PlaceHolder 6"/>
-          <p:cNvSpPr>
-            <a:spLocks noGrp="1"/>
-          </p:cNvSpPr>
-          <p:nvPr>
-            <p:ph type="body"/>
-          </p:nvPr>
-        </p:nvSpPr>
-        <p:spPr>
-          <a:xfrm>
-            <a:off x="3571200" y="4462920"/>
-            <a:ext cx="2920680" cy="2229840"/>
-          </a:xfrm>
-          <a:prstGeom prst="rect">
-            <a:avLst/>
-          </a:prstGeom>
-        </p:spPr>
-        <p:txBody>
-          <a:bodyPr lIns="0" rIns="0" tIns="0" bIns="0">
-            <a:normAutofit/>
-          </a:bodyPr>
-          <a:p>
-            <a:endParaRPr b="0" lang="en-US" sz="3200" spc="-1" strike="noStrike">
-              <a:latin typeface="Arial"/>
-            </a:endParaRPr>
-          </a:p>
-        </p:txBody>
-      </p:sp>
-      <p:sp>
-        <p:nvSpPr>
-          <p:cNvPr id="123" name="PlaceHolder 7"/>
-          <p:cNvSpPr>
-            <a:spLocks noGrp="1"/>
-          </p:cNvSpPr>
-          <p:nvPr>
-            <p:ph type="body"/>
-          </p:nvPr>
-        </p:nvSpPr>
-        <p:spPr>
-          <a:xfrm>
-            <a:off x="6638040" y="4462920"/>
-            <a:ext cx="2920680" cy="2229840"/>
+            <a:ext cx="9071280" cy="4674960"/>
           </a:xfrm>
           <a:prstGeom prst="rect">
             <a:avLst/>
@@ -4073,7 +2761,7 @@
       </p:grpSpPr>
       <p:sp>
         <p:nvSpPr>
-          <p:cNvPr id="9" name="PlaceHolder 1"/>
+          <p:cNvPr id="6" name="PlaceHolder 1"/>
           <p:cNvSpPr>
             <a:spLocks noGrp="1"/>
           </p:cNvSpPr>
@@ -4084,7 +2772,7 @@
         <p:spPr>
           <a:xfrm>
             <a:off x="504000" y="408600"/>
-            <a:ext cx="9071640" cy="1262520"/>
+            <a:ext cx="9071280" cy="1262160"/>
           </a:xfrm>
           <a:prstGeom prst="rect">
             <a:avLst/>
@@ -4095,6 +2783,7 @@
             <a:spAutoFit/>
           </a:bodyPr>
           <a:p>
+            <a:pPr algn="ctr"/>
             <a:endParaRPr b="0" lang="en-US" sz="4400" spc="-1" strike="noStrike">
               <a:latin typeface="Arial"/>
             </a:endParaRPr>
@@ -4103,7 +2792,7 @@
       </p:sp>
       <p:sp>
         <p:nvSpPr>
-          <p:cNvPr id="10" name="PlaceHolder 2"/>
+          <p:cNvPr id="7" name="PlaceHolder 2"/>
           <p:cNvSpPr>
             <a:spLocks noGrp="1"/>
           </p:cNvSpPr>
@@ -4114,7 +2803,7 @@
         <p:spPr>
           <a:xfrm>
             <a:off x="504000" y="2020680"/>
-            <a:ext cx="4426920" cy="4675320"/>
+            <a:ext cx="4426560" cy="4674960"/>
           </a:xfrm>
           <a:prstGeom prst="rect">
             <a:avLst/>
@@ -4133,7 +2822,7 @@
       </p:sp>
       <p:sp>
         <p:nvSpPr>
-          <p:cNvPr id="11" name="PlaceHolder 3"/>
+          <p:cNvPr id="8" name="PlaceHolder 3"/>
           <p:cNvSpPr>
             <a:spLocks noGrp="1"/>
           </p:cNvSpPr>
@@ -4143,8 +2832,8 @@
         </p:nvSpPr>
         <p:spPr>
           <a:xfrm>
-            <a:off x="5152680" y="2020680"/>
-            <a:ext cx="4426920" cy="4675320"/>
+            <a:off x="5152320" y="2020680"/>
+            <a:ext cx="4426560" cy="4674960"/>
           </a:xfrm>
           <a:prstGeom prst="rect">
             <a:avLst/>
@@ -4185,7 +2874,7 @@
       </p:grpSpPr>
       <p:sp>
         <p:nvSpPr>
-          <p:cNvPr id="12" name="PlaceHolder 1"/>
+          <p:cNvPr id="9" name="PlaceHolder 1"/>
           <p:cNvSpPr>
             <a:spLocks noGrp="1"/>
           </p:cNvSpPr>
@@ -4196,7 +2885,7 @@
         <p:spPr>
           <a:xfrm>
             <a:off x="504000" y="408600"/>
-            <a:ext cx="9071640" cy="1262520"/>
+            <a:ext cx="9071280" cy="1262160"/>
           </a:xfrm>
           <a:prstGeom prst="rect">
             <a:avLst/>
@@ -4207,6 +2896,7 @@
             <a:spAutoFit/>
           </a:bodyPr>
           <a:p>
+            <a:pPr algn="ctr"/>
             <a:endParaRPr b="0" lang="en-US" sz="4400" spc="-1" strike="noStrike">
               <a:latin typeface="Arial"/>
             </a:endParaRPr>
@@ -4237,7 +2927,7 @@
       </p:grpSpPr>
       <p:sp>
         <p:nvSpPr>
-          <p:cNvPr id="13" name="PlaceHolder 1"/>
+          <p:cNvPr id="10" name="PlaceHolder 1"/>
           <p:cNvSpPr>
             <a:spLocks noGrp="1"/>
           </p:cNvSpPr>
@@ -4248,7 +2938,7 @@
         <p:spPr>
           <a:xfrm>
             <a:off x="504000" y="408600"/>
-            <a:ext cx="9071640" cy="5853600"/>
+            <a:ext cx="9071280" cy="5851800"/>
           </a:xfrm>
           <a:prstGeom prst="rect">
             <a:avLst/>
@@ -4290,7 +2980,7 @@
       </p:grpSpPr>
       <p:sp>
         <p:nvSpPr>
-          <p:cNvPr id="14" name="PlaceHolder 1"/>
+          <p:cNvPr id="11" name="PlaceHolder 1"/>
           <p:cNvSpPr>
             <a:spLocks noGrp="1"/>
           </p:cNvSpPr>
@@ -4301,7 +2991,7 @@
         <p:spPr>
           <a:xfrm>
             <a:off x="504000" y="408600"/>
-            <a:ext cx="9071640" cy="1262520"/>
+            <a:ext cx="9071280" cy="1262160"/>
           </a:xfrm>
           <a:prstGeom prst="rect">
             <a:avLst/>
@@ -4312,6 +3002,7 @@
             <a:spAutoFit/>
           </a:bodyPr>
           <a:p>
+            <a:pPr algn="ctr"/>
             <a:endParaRPr b="0" lang="en-US" sz="4400" spc="-1" strike="noStrike">
               <a:latin typeface="Arial"/>
             </a:endParaRPr>
@@ -4320,7 +3011,7 @@
       </p:sp>
       <p:sp>
         <p:nvSpPr>
-          <p:cNvPr id="15" name="PlaceHolder 2"/>
+          <p:cNvPr id="12" name="PlaceHolder 2"/>
           <p:cNvSpPr>
             <a:spLocks noGrp="1"/>
           </p:cNvSpPr>
@@ -4331,7 +3022,7 @@
         <p:spPr>
           <a:xfrm>
             <a:off x="504000" y="2020680"/>
-            <a:ext cx="4426920" cy="2229840"/>
+            <a:ext cx="4426560" cy="2229840"/>
           </a:xfrm>
           <a:prstGeom prst="rect">
             <a:avLst/>
@@ -4350,7 +3041,7 @@
       </p:sp>
       <p:sp>
         <p:nvSpPr>
-          <p:cNvPr id="16" name="PlaceHolder 3"/>
+          <p:cNvPr id="13" name="PlaceHolder 3"/>
           <p:cNvSpPr>
             <a:spLocks noGrp="1"/>
           </p:cNvSpPr>
@@ -4360,8 +3051,8 @@
         </p:nvSpPr>
         <p:spPr>
           <a:xfrm>
-            <a:off x="5152680" y="2020680"/>
-            <a:ext cx="4426920" cy="4675320"/>
+            <a:off x="5152320" y="2020680"/>
+            <a:ext cx="4426560" cy="4674960"/>
           </a:xfrm>
           <a:prstGeom prst="rect">
             <a:avLst/>
@@ -4380,7 +3071,7 @@
       </p:sp>
       <p:sp>
         <p:nvSpPr>
-          <p:cNvPr id="17" name="PlaceHolder 4"/>
+          <p:cNvPr id="14" name="PlaceHolder 4"/>
           <p:cNvSpPr>
             <a:spLocks noGrp="1"/>
           </p:cNvSpPr>
@@ -4391,7 +3082,7 @@
         <p:spPr>
           <a:xfrm>
             <a:off x="504000" y="4462920"/>
-            <a:ext cx="4426920" cy="2229840"/>
+            <a:ext cx="4426560" cy="2229840"/>
           </a:xfrm>
           <a:prstGeom prst="rect">
             <a:avLst/>
@@ -4432,7 +3123,7 @@
       </p:grpSpPr>
       <p:sp>
         <p:nvSpPr>
-          <p:cNvPr id="18" name="PlaceHolder 1"/>
+          <p:cNvPr id="15" name="PlaceHolder 1"/>
           <p:cNvSpPr>
             <a:spLocks noGrp="1"/>
           </p:cNvSpPr>
@@ -4443,7 +3134,7 @@
         <p:spPr>
           <a:xfrm>
             <a:off x="504000" y="408600"/>
-            <a:ext cx="9071640" cy="1262520"/>
+            <a:ext cx="9071280" cy="1262160"/>
           </a:xfrm>
           <a:prstGeom prst="rect">
             <a:avLst/>
@@ -4454,6 +3145,7 @@
             <a:spAutoFit/>
           </a:bodyPr>
           <a:p>
+            <a:pPr algn="ctr"/>
             <a:endParaRPr b="0" lang="en-US" sz="4400" spc="-1" strike="noStrike">
               <a:latin typeface="Arial"/>
             </a:endParaRPr>
@@ -4462,7 +3154,7 @@
       </p:sp>
       <p:sp>
         <p:nvSpPr>
-          <p:cNvPr id="19" name="PlaceHolder 2"/>
+          <p:cNvPr id="16" name="PlaceHolder 2"/>
           <p:cNvSpPr>
             <a:spLocks noGrp="1"/>
           </p:cNvSpPr>
@@ -4473,7 +3165,7 @@
         <p:spPr>
           <a:xfrm>
             <a:off x="504000" y="2020680"/>
-            <a:ext cx="4426920" cy="4675320"/>
+            <a:ext cx="4426560" cy="4674960"/>
           </a:xfrm>
           <a:prstGeom prst="rect">
             <a:avLst/>
@@ -4492,7 +3184,7 @@
       </p:sp>
       <p:sp>
         <p:nvSpPr>
-          <p:cNvPr id="20" name="PlaceHolder 3"/>
+          <p:cNvPr id="17" name="PlaceHolder 3"/>
           <p:cNvSpPr>
             <a:spLocks noGrp="1"/>
           </p:cNvSpPr>
@@ -4502,8 +3194,8 @@
         </p:nvSpPr>
         <p:spPr>
           <a:xfrm>
-            <a:off x="5152680" y="2020680"/>
-            <a:ext cx="4426920" cy="2229840"/>
+            <a:off x="5152320" y="2020680"/>
+            <a:ext cx="4426560" cy="2229840"/>
           </a:xfrm>
           <a:prstGeom prst="rect">
             <a:avLst/>
@@ -4522,7 +3214,7 @@
       </p:sp>
       <p:sp>
         <p:nvSpPr>
-          <p:cNvPr id="21" name="PlaceHolder 4"/>
+          <p:cNvPr id="18" name="PlaceHolder 4"/>
           <p:cNvSpPr>
             <a:spLocks noGrp="1"/>
           </p:cNvSpPr>
@@ -4532,8 +3224,8 @@
         </p:nvSpPr>
         <p:spPr>
           <a:xfrm>
-            <a:off x="5152680" y="4462920"/>
-            <a:ext cx="4426920" cy="2229840"/>
+            <a:off x="5152320" y="4462920"/>
+            <a:ext cx="4426560" cy="2229840"/>
           </a:xfrm>
           <a:prstGeom prst="rect">
             <a:avLst/>
@@ -4574,7 +3266,7 @@
       </p:grpSpPr>
       <p:sp>
         <p:nvSpPr>
-          <p:cNvPr id="22" name="PlaceHolder 1"/>
+          <p:cNvPr id="19" name="PlaceHolder 1"/>
           <p:cNvSpPr>
             <a:spLocks noGrp="1"/>
           </p:cNvSpPr>
@@ -4585,7 +3277,7 @@
         <p:spPr>
           <a:xfrm>
             <a:off x="504000" y="408600"/>
-            <a:ext cx="9071640" cy="1262520"/>
+            <a:ext cx="9071280" cy="1262160"/>
           </a:xfrm>
           <a:prstGeom prst="rect">
             <a:avLst/>
@@ -4596,6 +3288,7 @@
             <a:spAutoFit/>
           </a:bodyPr>
           <a:p>
+            <a:pPr algn="ctr"/>
             <a:endParaRPr b="0" lang="en-US" sz="4400" spc="-1" strike="noStrike">
               <a:latin typeface="Arial"/>
             </a:endParaRPr>
@@ -4604,7 +3297,7 @@
       </p:sp>
       <p:sp>
         <p:nvSpPr>
-          <p:cNvPr id="23" name="PlaceHolder 2"/>
+          <p:cNvPr id="20" name="PlaceHolder 2"/>
           <p:cNvSpPr>
             <a:spLocks noGrp="1"/>
           </p:cNvSpPr>
@@ -4615,7 +3308,7 @@
         <p:spPr>
           <a:xfrm>
             <a:off x="504000" y="2020680"/>
-            <a:ext cx="4426920" cy="2229840"/>
+            <a:ext cx="4426560" cy="2229840"/>
           </a:xfrm>
           <a:prstGeom prst="rect">
             <a:avLst/>
@@ -4634,7 +3327,7 @@
       </p:sp>
       <p:sp>
         <p:nvSpPr>
-          <p:cNvPr id="24" name="PlaceHolder 3"/>
+          <p:cNvPr id="21" name="PlaceHolder 3"/>
           <p:cNvSpPr>
             <a:spLocks noGrp="1"/>
           </p:cNvSpPr>
@@ -4644,8 +3337,8 @@
         </p:nvSpPr>
         <p:spPr>
           <a:xfrm>
-            <a:off x="5152680" y="2020680"/>
-            <a:ext cx="4426920" cy="2229840"/>
+            <a:off x="5152320" y="2020680"/>
+            <a:ext cx="4426560" cy="2229840"/>
           </a:xfrm>
           <a:prstGeom prst="rect">
             <a:avLst/>
@@ -4664,7 +3357,7 @@
       </p:sp>
       <p:sp>
         <p:nvSpPr>
-          <p:cNvPr id="25" name="PlaceHolder 4"/>
+          <p:cNvPr id="22" name="PlaceHolder 4"/>
           <p:cNvSpPr>
             <a:spLocks noGrp="1"/>
           </p:cNvSpPr>
@@ -4675,7 +3368,7 @@
         <p:spPr>
           <a:xfrm>
             <a:off x="504000" y="4462920"/>
-            <a:ext cx="9071640" cy="2229840"/>
+            <a:ext cx="9071280" cy="2229840"/>
           </a:xfrm>
           <a:prstGeom prst="rect">
             <a:avLst/>
@@ -4736,8 +3429,8 @@
         </p:nvSpPr>
         <p:spPr>
           <a:xfrm>
-            <a:off x="504000" y="1905480"/>
-            <a:ext cx="9071640" cy="1262520"/>
+            <a:off x="504000" y="408600"/>
+            <a:ext cx="9071280" cy="1262160"/>
           </a:xfrm>
           <a:prstGeom prst="rect">
             <a:avLst/>
@@ -4745,22 +3438,16 @@
         </p:spPr>
         <p:txBody>
           <a:bodyPr lIns="0" rIns="0" tIns="0" bIns="0" anchor="ctr">
-            <a:noAutofit/>
+            <a:spAutoFit/>
           </a:bodyPr>
           <a:p>
             <a:r>
-              <a:rPr b="0" lang="en-US" sz="4000" spc="-1" strike="noStrike">
-                <a:solidFill>
-                  <a:srgbClr val="ffffff"/>
-                </a:solidFill>
+              <a:rPr b="0" lang="en-US" sz="1800" spc="-1" strike="noStrike">
                 <a:latin typeface="Arial"/>
               </a:rPr>
               <a:t>Click to edit the title text format</a:t>
             </a:r>
-            <a:endParaRPr b="0" lang="en-US" sz="4000" spc="-1" strike="noStrike">
-              <a:solidFill>
-                <a:srgbClr val="ffffff"/>
-              </a:solidFill>
+            <a:endParaRPr b="0" lang="en-US" sz="1800" spc="-1" strike="noStrike">
               <a:latin typeface="Arial"/>
             </a:endParaRPr>
           </a:p>
@@ -4778,22 +3465,22 @@
         </p:nvSpPr>
         <p:spPr>
           <a:xfrm>
-            <a:off x="504000" y="3456000"/>
-            <a:ext cx="9071640" cy="2697120"/>
-          </a:xfrm>
-          <a:prstGeom prst="rect">
-            <a:avLst/>
-          </a:prstGeom>
-        </p:spPr>
-        <p:txBody>
-          <a:bodyPr lIns="0" rIns="0" tIns="0" bIns="0">
-            <a:normAutofit fontScale="88000"/>
+            <a:off x="504000" y="1768680"/>
+            <a:ext cx="9072000" cy="4384080"/>
+          </a:xfrm>
+          <a:prstGeom prst="rect">
+            <a:avLst/>
+          </a:prstGeom>
+        </p:spPr>
+        <p:txBody>
+          <a:bodyPr lIns="0" rIns="0" tIns="0" bIns="0">
+            <a:normAutofit/>
           </a:bodyPr>
           <a:p>
             <a:pPr marL="432000" indent="-324000">
-              <a:spcAft>
-                <a:spcPts val="1414"/>
-              </a:spcAft>
+              <a:spcBef>
+                <a:spcPts val="1417"/>
+              </a:spcBef>
               <a:buClr>
                 <a:srgbClr val="ffffff"/>
               </a:buClr>
@@ -4803,25 +3490,19 @@
             </a:pPr>
             <a:r>
               <a:rPr b="0" lang="en-US" sz="3200" spc="-1" strike="noStrike">
-                <a:solidFill>
-                  <a:srgbClr val="ffffff"/>
-                </a:solidFill>
                 <a:latin typeface="Arial"/>
               </a:rPr>
               <a:t>Click to edit the outline text format</a:t>
             </a:r>
             <a:endParaRPr b="0" lang="en-US" sz="3200" spc="-1" strike="noStrike">
-              <a:solidFill>
-                <a:srgbClr val="ffffff"/>
-              </a:solidFill>
               <a:latin typeface="Arial"/>
             </a:endParaRPr>
           </a:p>
           <a:p>
             <a:pPr lvl="1" marL="864000" indent="-324000">
-              <a:spcAft>
-                <a:spcPts val="1128"/>
-              </a:spcAft>
+              <a:spcBef>
+                <a:spcPts val="1134"/>
+              </a:spcBef>
               <a:buClr>
                 <a:srgbClr val="ffffff"/>
               </a:buClr>
@@ -4831,25 +3512,19 @@
             </a:pPr>
             <a:r>
               <a:rPr b="0" lang="en-US" sz="2800" spc="-1" strike="noStrike">
-                <a:solidFill>
-                  <a:srgbClr val="ffffff"/>
-                </a:solidFill>
                 <a:latin typeface="Arial"/>
               </a:rPr>
               <a:t>Second Outline Level</a:t>
             </a:r>
             <a:endParaRPr b="0" lang="en-US" sz="2800" spc="-1" strike="noStrike">
-              <a:solidFill>
-                <a:srgbClr val="ffffff"/>
-              </a:solidFill>
               <a:latin typeface="Arial"/>
             </a:endParaRPr>
           </a:p>
           <a:p>
             <a:pPr lvl="2" marL="1296000" indent="-288000">
-              <a:spcAft>
-                <a:spcPts val="845"/>
-              </a:spcAft>
+              <a:spcBef>
+                <a:spcPts val="850"/>
+              </a:spcBef>
               <a:buClr>
                 <a:srgbClr val="ffffff"/>
               </a:buClr>
@@ -4859,25 +3534,19 @@
             </a:pPr>
             <a:r>
               <a:rPr b="0" lang="en-US" sz="2400" spc="-1" strike="noStrike">
-                <a:solidFill>
-                  <a:srgbClr val="ffffff"/>
-                </a:solidFill>
                 <a:latin typeface="Arial"/>
               </a:rPr>
               <a:t>Third Outline Level</a:t>
             </a:r>
             <a:endParaRPr b="0" lang="en-US" sz="2400" spc="-1" strike="noStrike">
-              <a:solidFill>
-                <a:srgbClr val="ffffff"/>
-              </a:solidFill>
               <a:latin typeface="Arial"/>
             </a:endParaRPr>
           </a:p>
           <a:p>
             <a:pPr lvl="3" marL="1728000" indent="-216000">
-              <a:spcAft>
-                <a:spcPts val="561"/>
-              </a:spcAft>
+              <a:spcBef>
+                <a:spcPts val="567"/>
+              </a:spcBef>
               <a:buClr>
                 <a:srgbClr val="ffffff"/>
               </a:buClr>
@@ -4887,25 +3556,19 @@
             </a:pPr>
             <a:r>
               <a:rPr b="0" lang="en-US" sz="2000" spc="-1" strike="noStrike">
-                <a:solidFill>
-                  <a:srgbClr val="ffffff"/>
-                </a:solidFill>
                 <a:latin typeface="Arial"/>
               </a:rPr>
               <a:t>Fourth Outline Level</a:t>
             </a:r>
             <a:endParaRPr b="0" lang="en-US" sz="2000" spc="-1" strike="noStrike">
-              <a:solidFill>
-                <a:srgbClr val="ffffff"/>
-              </a:solidFill>
               <a:latin typeface="Arial"/>
             </a:endParaRPr>
           </a:p>
           <a:p>
             <a:pPr lvl="4" marL="2160000" indent="-216000">
-              <a:spcAft>
-                <a:spcPts val="278"/>
-              </a:spcAft>
+              <a:spcBef>
+                <a:spcPts val="283"/>
+              </a:spcBef>
               <a:buClr>
                 <a:srgbClr val="ffffff"/>
               </a:buClr>
@@ -4915,25 +3578,19 @@
             </a:pPr>
             <a:r>
               <a:rPr b="0" lang="en-US" sz="2000" spc="-1" strike="noStrike">
-                <a:solidFill>
-                  <a:srgbClr val="ffffff"/>
-                </a:solidFill>
                 <a:latin typeface="Arial"/>
               </a:rPr>
               <a:t>Fifth Outline Level</a:t>
             </a:r>
             <a:endParaRPr b="0" lang="en-US" sz="2000" spc="-1" strike="noStrike">
-              <a:solidFill>
-                <a:srgbClr val="ffffff"/>
-              </a:solidFill>
               <a:latin typeface="Arial"/>
             </a:endParaRPr>
           </a:p>
           <a:p>
             <a:pPr lvl="5" marL="2592000" indent="-216000">
-              <a:spcAft>
-                <a:spcPts val="278"/>
-              </a:spcAft>
+              <a:spcBef>
+                <a:spcPts val="283"/>
+              </a:spcBef>
               <a:buClr>
                 <a:srgbClr val="ffffff"/>
               </a:buClr>
@@ -4943,25 +3600,19 @@
             </a:pPr>
             <a:r>
               <a:rPr b="0" lang="en-US" sz="2000" spc="-1" strike="noStrike">
-                <a:solidFill>
-                  <a:srgbClr val="ffffff"/>
-                </a:solidFill>
                 <a:latin typeface="Arial"/>
               </a:rPr>
               <a:t>Sixth Outline Level</a:t>
             </a:r>
             <a:endParaRPr b="0" lang="en-US" sz="2000" spc="-1" strike="noStrike">
-              <a:solidFill>
-                <a:srgbClr val="ffffff"/>
-              </a:solidFill>
               <a:latin typeface="Arial"/>
             </a:endParaRPr>
           </a:p>
           <a:p>
             <a:pPr lvl="6" marL="3024000" indent="-216000">
-              <a:spcAft>
-                <a:spcPts val="278"/>
-              </a:spcAft>
+              <a:spcBef>
+                <a:spcPts val="283"/>
+              </a:spcBef>
               <a:buClr>
                 <a:srgbClr val="ffffff"/>
               </a:buClr>
@@ -4971,128 +3622,12 @@
             </a:pPr>
             <a:r>
               <a:rPr b="0" lang="en-US" sz="2000" spc="-1" strike="noStrike">
-                <a:solidFill>
-                  <a:srgbClr val="ffffff"/>
-                </a:solidFill>
                 <a:latin typeface="Arial"/>
               </a:rPr>
               <a:t>Seventh Outline Level</a:t>
             </a:r>
             <a:endParaRPr b="0" lang="en-US" sz="2000" spc="-1" strike="noStrike">
-              <a:solidFill>
-                <a:srgbClr val="ffffff"/>
-              </a:solidFill>
-              <a:latin typeface="Arial"/>
-            </a:endParaRPr>
-          </a:p>
-        </p:txBody>
-      </p:sp>
-      <p:sp>
-        <p:nvSpPr>
-          <p:cNvPr id="2" name="PlaceHolder 3"/>
-          <p:cNvSpPr>
-            <a:spLocks noGrp="1"/>
-          </p:cNvSpPr>
-          <p:nvPr>
-            <p:ph type="dt"/>
-          </p:nvPr>
-        </p:nvSpPr>
-        <p:spPr>
-          <a:xfrm>
-            <a:off x="180000" y="6886800"/>
-            <a:ext cx="2348280" cy="521280"/>
-          </a:xfrm>
-          <a:prstGeom prst="rect">
-            <a:avLst/>
-          </a:prstGeom>
-        </p:spPr>
-        <p:txBody>
-          <a:bodyPr lIns="0" rIns="0" tIns="0" bIns="0" anchor="b">
-            <a:noAutofit/>
-          </a:bodyPr>
-          <a:p>
-            <a:r>
-              <a:rPr b="0" lang="en-US" sz="1400" spc="-1" strike="noStrike">
-                <a:latin typeface="Times New Roman"/>
-              </a:rPr>
-              <a:t>&lt;date/time&gt;</a:t>
-            </a:r>
-            <a:endParaRPr b="0" lang="en-US" sz="1400" spc="-1" strike="noStrike">
-              <a:latin typeface="Times New Roman"/>
-            </a:endParaRPr>
-          </a:p>
-        </p:txBody>
-      </p:sp>
-      <p:sp>
-        <p:nvSpPr>
-          <p:cNvPr id="3" name="PlaceHolder 4"/>
-          <p:cNvSpPr>
-            <a:spLocks noGrp="1"/>
-          </p:cNvSpPr>
-          <p:nvPr>
-            <p:ph type="ftr"/>
-          </p:nvPr>
-        </p:nvSpPr>
-        <p:spPr>
-          <a:xfrm>
-            <a:off x="3447360" y="6886800"/>
-            <a:ext cx="3195000" cy="521280"/>
-          </a:xfrm>
-          <a:prstGeom prst="rect">
-            <a:avLst/>
-          </a:prstGeom>
-        </p:spPr>
-        <p:txBody>
-          <a:bodyPr lIns="0" rIns="0" tIns="0" bIns="0" anchor="b">
-            <a:noAutofit/>
-          </a:bodyPr>
-          <a:p>
-            <a:pPr algn="ctr"/>
-            <a:r>
-              <a:rPr b="0" lang="en-US" sz="1400" spc="-1" strike="noStrike">
-                <a:latin typeface="Times New Roman"/>
-              </a:rPr>
-              <a:t>&lt;footer&gt;</a:t>
-            </a:r>
-            <a:endParaRPr b="0" lang="en-US" sz="1400" spc="-1" strike="noStrike">
-              <a:latin typeface="Times New Roman"/>
-            </a:endParaRPr>
-          </a:p>
-        </p:txBody>
-      </p:sp>
-      <p:sp>
-        <p:nvSpPr>
-          <p:cNvPr id="4" name="PlaceHolder 5"/>
-          <p:cNvSpPr>
-            <a:spLocks noGrp="1"/>
-          </p:cNvSpPr>
-          <p:nvPr>
-            <p:ph type="sldNum"/>
-          </p:nvPr>
-        </p:nvSpPr>
-        <p:spPr>
-          <a:xfrm>
-            <a:off x="7587360" y="6886800"/>
-            <a:ext cx="2348280" cy="521280"/>
-          </a:xfrm>
-          <a:prstGeom prst="rect">
-            <a:avLst/>
-          </a:prstGeom>
-        </p:spPr>
-        <p:txBody>
-          <a:bodyPr lIns="0" rIns="0" tIns="0" bIns="0" anchor="b">
-            <a:noAutofit/>
-          </a:bodyPr>
-          <a:p>
-            <a:pPr algn="r"/>
-            <a:fld id="{402C6DFB-8736-4182-9A93-7100EF0664B9}" type="slidenum">
-              <a:rPr b="0" lang="en-US" sz="1400" spc="-1" strike="noStrike">
-                <a:latin typeface="Times New Roman"/>
-              </a:rPr>
-              <a:t>&lt;number&gt;</a:t>
-            </a:fld>
-            <a:endParaRPr b="0" lang="en-US" sz="1400" spc="-1" strike="noStrike">
-              <a:latin typeface="Times New Roman"/>
+              <a:latin typeface="Arial"/>
             </a:endParaRPr>
           </a:p>
         </p:txBody>
@@ -5146,7 +3681,7 @@
       </p:grpSpPr>
       <p:sp>
         <p:nvSpPr>
-          <p:cNvPr id="41" name="PlaceHolder 1"/>
+          <p:cNvPr id="38" name="PlaceHolder 1"/>
           <p:cNvSpPr>
             <a:spLocks noGrp="1"/>
           </p:cNvSpPr>
@@ -5157,7 +3692,7 @@
         <p:spPr>
           <a:xfrm>
             <a:off x="504000" y="408600"/>
-            <a:ext cx="9071640" cy="1262520"/>
+            <a:ext cx="9071280" cy="1262160"/>
           </a:xfrm>
           <a:prstGeom prst="rect">
             <a:avLst/>
@@ -5165,24 +3700,24 @@
         </p:spPr>
         <p:txBody>
           <a:bodyPr lIns="0" rIns="0" tIns="0" bIns="0" anchor="ctr">
-            <a:noAutofit/>
+            <a:spAutoFit/>
           </a:bodyPr>
           <a:p>
             <a:r>
-              <a:rPr b="0" lang="en-US" sz="4400" spc="-1" strike="noStrike">
+              <a:rPr b="0" lang="en-US" sz="1800" spc="-1" strike="noStrike">
                 <a:latin typeface="Arial"/>
               </a:rPr>
               <a:t>Click to edit the title text format</a:t>
             </a:r>
-            <a:endParaRPr b="0" lang="en-US" sz="4400" spc="-1" strike="noStrike">
-              <a:latin typeface="Arial"/>
-            </a:endParaRPr>
-          </a:p>
-        </p:txBody>
-      </p:sp>
-      <p:sp>
-        <p:nvSpPr>
-          <p:cNvPr id="42" name="PlaceHolder 2"/>
+            <a:endParaRPr b="0" lang="en-US" sz="1800" spc="-1" strike="noStrike">
+              <a:latin typeface="Arial"/>
+            </a:endParaRPr>
+          </a:p>
+        </p:txBody>
+      </p:sp>
+      <p:sp>
+        <p:nvSpPr>
+          <p:cNvPr id="39" name="PlaceHolder 2"/>
           <p:cNvSpPr>
             <a:spLocks noGrp="1"/>
           </p:cNvSpPr>
@@ -5193,7 +3728,7 @@
         <p:spPr>
           <a:xfrm>
             <a:off x="504000" y="2020680"/>
-            <a:ext cx="9071640" cy="4675320"/>
+            <a:ext cx="9071280" cy="4674960"/>
           </a:xfrm>
           <a:prstGeom prst="rect">
             <a:avLst/>
@@ -5205,9 +3740,9 @@
           </a:bodyPr>
           <a:p>
             <a:pPr marL="432000" indent="-324000">
-              <a:spcAft>
-                <a:spcPts val="1414"/>
-              </a:spcAft>
+              <a:spcBef>
+                <a:spcPts val="1417"/>
+              </a:spcBef>
               <a:buClr>
                 <a:srgbClr val="ffffff"/>
               </a:buClr>
@@ -5216,20 +3751,20 @@
               <a:buChar char=""/>
             </a:pPr>
             <a:r>
-              <a:rPr b="0" lang="en-US" sz="3200" spc="-1" strike="noStrike">
+              <a:rPr b="0" lang="en-US" sz="1800" spc="-1" strike="noStrike">
                 <a:latin typeface="Arial"/>
               </a:rPr>
               <a:t>Click to edit the outline text format</a:t>
             </a:r>
-            <a:endParaRPr b="0" lang="en-US" sz="3200" spc="-1" strike="noStrike">
+            <a:endParaRPr b="0" lang="en-US" sz="1800" spc="-1" strike="noStrike">
               <a:latin typeface="Arial"/>
             </a:endParaRPr>
           </a:p>
           <a:p>
             <a:pPr lvl="1" marL="864000" indent="-324000">
-              <a:spcAft>
-                <a:spcPts val="1128"/>
-              </a:spcAft>
+              <a:spcBef>
+                <a:spcPts val="1134"/>
+              </a:spcBef>
               <a:buClr>
                 <a:srgbClr val="ffffff"/>
               </a:buClr>
@@ -5238,20 +3773,20 @@
               <a:buChar char=""/>
             </a:pPr>
             <a:r>
-              <a:rPr b="0" lang="en-US" sz="2800" spc="-1" strike="noStrike">
+              <a:rPr b="0" lang="en-US" sz="1800" spc="-1" strike="noStrike">
                 <a:latin typeface="Arial"/>
               </a:rPr>
               <a:t>Second Outline Level</a:t>
             </a:r>
-            <a:endParaRPr b="0" lang="en-US" sz="2800" spc="-1" strike="noStrike">
+            <a:endParaRPr b="0" lang="en-US" sz="1800" spc="-1" strike="noStrike">
               <a:latin typeface="Arial"/>
             </a:endParaRPr>
           </a:p>
           <a:p>
             <a:pPr lvl="2" marL="1296000" indent="-288000">
-              <a:spcAft>
-                <a:spcPts val="845"/>
-              </a:spcAft>
+              <a:spcBef>
+                <a:spcPts val="850"/>
+              </a:spcBef>
               <a:buClr>
                 <a:srgbClr val="ffffff"/>
               </a:buClr>
@@ -5260,20 +3795,20 @@
               <a:buChar char=""/>
             </a:pPr>
             <a:r>
-              <a:rPr b="0" lang="en-US" sz="2400" spc="-1" strike="noStrike">
+              <a:rPr b="0" lang="en-US" sz="1800" spc="-1" strike="noStrike">
                 <a:latin typeface="Arial"/>
               </a:rPr>
               <a:t>Third Outline Level</a:t>
             </a:r>
-            <a:endParaRPr b="0" lang="en-US" sz="2400" spc="-1" strike="noStrike">
+            <a:endParaRPr b="0" lang="en-US" sz="1800" spc="-1" strike="noStrike">
               <a:latin typeface="Arial"/>
             </a:endParaRPr>
           </a:p>
           <a:p>
             <a:pPr lvl="3" marL="1728000" indent="-216000">
-              <a:spcAft>
-                <a:spcPts val="561"/>
-              </a:spcAft>
+              <a:spcBef>
+                <a:spcPts val="567"/>
+              </a:spcBef>
               <a:buClr>
                 <a:srgbClr val="ffffff"/>
               </a:buClr>
@@ -5282,20 +3817,20 @@
               <a:buChar char=""/>
             </a:pPr>
             <a:r>
-              <a:rPr b="0" lang="en-US" sz="2000" spc="-1" strike="noStrike">
+              <a:rPr b="0" lang="en-US" sz="1800" spc="-1" strike="noStrike">
                 <a:latin typeface="Arial"/>
               </a:rPr>
               <a:t>Fourth Outline Level</a:t>
             </a:r>
-            <a:endParaRPr b="0" lang="en-US" sz="2000" spc="-1" strike="noStrike">
+            <a:endParaRPr b="0" lang="en-US" sz="1800" spc="-1" strike="noStrike">
               <a:latin typeface="Arial"/>
             </a:endParaRPr>
           </a:p>
           <a:p>
             <a:pPr lvl="4" marL="2160000" indent="-216000">
-              <a:spcAft>
-                <a:spcPts val="278"/>
-              </a:spcAft>
+              <a:spcBef>
+                <a:spcPts val="283"/>
+              </a:spcBef>
               <a:buClr>
                 <a:srgbClr val="ffffff"/>
               </a:buClr>
@@ -5304,20 +3839,20 @@
               <a:buChar char=""/>
             </a:pPr>
             <a:r>
-              <a:rPr b="0" lang="en-US" sz="2000" spc="-1" strike="noStrike">
+              <a:rPr b="0" lang="en-US" sz="1800" spc="-1" strike="noStrike">
                 <a:latin typeface="Arial"/>
               </a:rPr>
               <a:t>Fifth Outline Level</a:t>
             </a:r>
-            <a:endParaRPr b="0" lang="en-US" sz="2000" spc="-1" strike="noStrike">
+            <a:endParaRPr b="0" lang="en-US" sz="1800" spc="-1" strike="noStrike">
               <a:latin typeface="Arial"/>
             </a:endParaRPr>
           </a:p>
           <a:p>
             <a:pPr lvl="5" marL="2592000" indent="-216000">
-              <a:spcAft>
-                <a:spcPts val="278"/>
-              </a:spcAft>
+              <a:spcBef>
+                <a:spcPts val="283"/>
+              </a:spcBef>
               <a:buClr>
                 <a:srgbClr val="ffffff"/>
               </a:buClr>
@@ -5326,20 +3861,20 @@
               <a:buChar char=""/>
             </a:pPr>
             <a:r>
-              <a:rPr b="0" lang="en-US" sz="2000" spc="-1" strike="noStrike">
+              <a:rPr b="0" lang="en-US" sz="1800" spc="-1" strike="noStrike">
                 <a:latin typeface="Arial"/>
               </a:rPr>
               <a:t>Sixth Outline Level</a:t>
             </a:r>
-            <a:endParaRPr b="0" lang="en-US" sz="2000" spc="-1" strike="noStrike">
+            <a:endParaRPr b="0" lang="en-US" sz="1800" spc="-1" strike="noStrike">
               <a:latin typeface="Arial"/>
             </a:endParaRPr>
           </a:p>
           <a:p>
             <a:pPr lvl="6" marL="3024000" indent="-216000">
-              <a:spcAft>
-                <a:spcPts val="278"/>
-              </a:spcAft>
+              <a:spcBef>
+                <a:spcPts val="283"/>
+              </a:spcBef>
               <a:buClr>
                 <a:srgbClr val="ffffff"/>
               </a:buClr>
@@ -5348,123 +3883,13 @@
               <a:buChar char=""/>
             </a:pPr>
             <a:r>
-              <a:rPr b="0" lang="en-US" sz="2000" spc="-1" strike="noStrike">
+              <a:rPr b="0" lang="en-US" sz="1800" spc="-1" strike="noStrike">
                 <a:latin typeface="Arial"/>
               </a:rPr>
               <a:t>Seventh Outline Level</a:t>
             </a:r>
-            <a:endParaRPr b="0" lang="en-US" sz="2000" spc="-1" strike="noStrike">
-              <a:latin typeface="Arial"/>
-            </a:endParaRPr>
-          </a:p>
-        </p:txBody>
-      </p:sp>
-      <p:sp>
-        <p:nvSpPr>
-          <p:cNvPr id="43" name="PlaceHolder 3"/>
-          <p:cNvSpPr>
-            <a:spLocks noGrp="1"/>
-          </p:cNvSpPr>
-          <p:nvPr>
-            <p:ph type="dt"/>
-          </p:nvPr>
-        </p:nvSpPr>
-        <p:spPr>
-          <a:xfrm>
-            <a:off x="216000" y="6886800"/>
-            <a:ext cx="2348280" cy="521280"/>
-          </a:xfrm>
-          <a:prstGeom prst="rect">
-            <a:avLst/>
-          </a:prstGeom>
-        </p:spPr>
-        <p:txBody>
-          <a:bodyPr lIns="0" rIns="0" tIns="0" bIns="0" anchor="b">
-            <a:noAutofit/>
-          </a:bodyPr>
-          <a:p>
-            <a:r>
-              <a:rPr b="0" lang="en-US" sz="1400" spc="-1" strike="noStrike">
-                <a:latin typeface="Times New Roman"/>
-              </a:rPr>
-              <a:t>&lt;date/time&gt;</a:t>
-            </a:r>
-            <a:endParaRPr b="0" lang="en-US" sz="1400" spc="-1" strike="noStrike">
-              <a:latin typeface="Times New Roman"/>
-            </a:endParaRPr>
-          </a:p>
-        </p:txBody>
-      </p:sp>
-      <p:sp>
-        <p:nvSpPr>
-          <p:cNvPr id="44" name="PlaceHolder 4"/>
-          <p:cNvSpPr>
-            <a:spLocks noGrp="1"/>
-          </p:cNvSpPr>
-          <p:nvPr>
-            <p:ph type="ftr"/>
-          </p:nvPr>
-        </p:nvSpPr>
-        <p:spPr>
-          <a:xfrm>
-            <a:off x="3447360" y="6886800"/>
-            <a:ext cx="3195000" cy="521280"/>
-          </a:xfrm>
-          <a:prstGeom prst="rect">
-            <a:avLst/>
-          </a:prstGeom>
-        </p:spPr>
-        <p:txBody>
-          <a:bodyPr lIns="0" rIns="0" tIns="0" bIns="0" anchor="b">
-            <a:noAutofit/>
-          </a:bodyPr>
-          <a:p>
-            <a:pPr algn="ctr"/>
-            <a:r>
-              <a:rPr b="0" lang="en-US" sz="1400" spc="-1" strike="noStrike">
-                <a:latin typeface="Times New Roman"/>
-              </a:rPr>
-              <a:t>&lt;footer&gt;</a:t>
-            </a:r>
-            <a:endParaRPr b="0" lang="en-US" sz="1400" spc="-1" strike="noStrike">
-              <a:latin typeface="Times New Roman"/>
-            </a:endParaRPr>
-          </a:p>
-        </p:txBody>
-      </p:sp>
-      <p:sp>
-        <p:nvSpPr>
-          <p:cNvPr id="45" name="PlaceHolder 5"/>
-          <p:cNvSpPr>
-            <a:spLocks noGrp="1"/>
-          </p:cNvSpPr>
-          <p:nvPr>
-            <p:ph type="sldNum"/>
-          </p:nvPr>
-        </p:nvSpPr>
-        <p:spPr>
-          <a:xfrm>
-            <a:off x="7623360" y="6886800"/>
-            <a:ext cx="2348280" cy="521280"/>
-          </a:xfrm>
-          <a:prstGeom prst="rect">
-            <a:avLst/>
-          </a:prstGeom>
-        </p:spPr>
-        <p:txBody>
-          <a:bodyPr lIns="0" rIns="0" tIns="0" bIns="0" anchor="b">
-            <a:noAutofit/>
-          </a:bodyPr>
-          <a:p>
-            <a:pPr algn="r"/>
-            <a:fld id="{CEA2B6DD-9700-4D69-863E-93B3CB2843D9}" type="slidenum">
-              <a:rPr b="0" lang="en-US" sz="1400" spc="-1" strike="noStrike">
-                <a:latin typeface="Times New Roman"/>
-              </a:rPr>
-              <a:t>&lt;number&gt;</a:t>
-            </a:fld>
-            <a:endParaRPr b="0" lang="en-US" sz="1400" spc="-1" strike="noStrike">
-              <a:latin typeface="Times New Roman"/>
+            <a:endParaRPr b="0" lang="en-US" sz="1800" spc="-1" strike="noStrike">
+              <a:latin typeface="Arial"/>
             </a:endParaRPr>
           </a:p>
         </p:txBody>
@@ -5485,392 +3910,6 @@
     <p:sldLayoutId id="2147483671" r:id="rId12"/>
     <p:sldLayoutId id="2147483672" r:id="rId13"/>
     <p:sldLayoutId id="2147483673" r:id="rId14"/>
-  </p:sldLayoutIdLst>
-</p:sldMaster>
-</file>
-
-<file path=ppt/slideMasters/slideMaster3.xml><?xml version="1.0" encoding="utf-8"?>
-<p:sldMaster xmlns:a="http://schemas.openxmlformats.org/drawingml/2006/main" xmlns:p="http://schemas.openxmlformats.org/presentationml/2006/main" xmlns:r="http://schemas.openxmlformats.org/officeDocument/2006/relationships" xmlns:p14="http://schemas.microsoft.com/office/powerpoint/2010/main" xmlns:p15="http://schemas.microsoft.com/office/powerpoint/2012/main" xmlns:mc="http://schemas.openxmlformats.org/markup-compatibility/2006">
-  <p:cSld>
-    <p:spTree>
-      <p:nvGrpSpPr>
-        <p:cNvPr id="1" name=""/>
-        <p:cNvGrpSpPr/>
-        <p:nvPr/>
-      </p:nvGrpSpPr>
-      <p:grpSpPr>
-        <a:xfrm>
-          <a:off x="0" y="0"/>
-          <a:ext cx="0" cy="0"/>
-          <a:chOff x="0" y="0"/>
-          <a:chExt cx="0" cy="0"/>
-        </a:xfrm>
-      </p:grpSpPr>
-      <p:pic>
-        <p:nvPicPr>
-          <p:cNvPr id="82" name="" descr=""/>
-          <p:cNvPicPr/>
-          <p:nvPr/>
-        </p:nvPicPr>
-        <p:blipFill>
-          <a:blip r:embed="rId2"/>
-          <a:stretch/>
-        </p:blipFill>
-        <p:spPr>
-          <a:xfrm>
-            <a:off x="-16920" y="-12240"/>
-            <a:ext cx="10096920" cy="948240"/>
-          </a:xfrm>
-          <a:prstGeom prst="rect">
-            <a:avLst/>
-          </a:prstGeom>
-          <a:ln>
-            <a:noFill/>
-          </a:ln>
-        </p:spPr>
-      </p:pic>
-      <p:sp>
-        <p:nvSpPr>
-          <p:cNvPr id="83" name="PlaceHolder 1"/>
-          <p:cNvSpPr>
-            <a:spLocks noGrp="1"/>
-          </p:cNvSpPr>
-          <p:nvPr>
-            <p:ph type="title"/>
-          </p:nvPr>
-        </p:nvSpPr>
-        <p:spPr>
-          <a:xfrm>
-            <a:off x="504000" y="969840"/>
-            <a:ext cx="9071640" cy="1046160"/>
-          </a:xfrm>
-          <a:prstGeom prst="rect">
-            <a:avLst/>
-          </a:prstGeom>
-        </p:spPr>
-        <p:txBody>
-          <a:bodyPr lIns="0" rIns="0" tIns="0" bIns="0" anchor="ctr">
-            <a:noAutofit/>
-          </a:bodyPr>
-          <a:p>
-            <a:pPr algn="ctr"/>
-            <a:r>
-              <a:rPr b="0" lang="en-US" sz="4400" spc="-1" strike="noStrike">
-                <a:latin typeface="Arial"/>
-              </a:rPr>
-              <a:t>Click to edit the title text format</a:t>
-            </a:r>
-            <a:endParaRPr b="0" lang="en-US" sz="4400" spc="-1" strike="noStrike">
-              <a:latin typeface="Arial"/>
-            </a:endParaRPr>
-          </a:p>
-        </p:txBody>
-      </p:sp>
-      <p:sp>
-        <p:nvSpPr>
-          <p:cNvPr id="84" name="PlaceHolder 2"/>
-          <p:cNvSpPr>
-            <a:spLocks noGrp="1"/>
-          </p:cNvSpPr>
-          <p:nvPr>
-            <p:ph type="body"/>
-          </p:nvPr>
-        </p:nvSpPr>
-        <p:spPr>
-          <a:xfrm>
-            <a:off x="504000" y="2232000"/>
-            <a:ext cx="9071640" cy="4392000"/>
-          </a:xfrm>
-          <a:prstGeom prst="rect">
-            <a:avLst/>
-          </a:prstGeom>
-        </p:spPr>
-        <p:txBody>
-          <a:bodyPr lIns="0" rIns="0" tIns="0" bIns="0">
-            <a:normAutofit/>
-          </a:bodyPr>
-          <a:p>
-            <a:pPr marL="432000" indent="-324000">
-              <a:spcAft>
-                <a:spcPts val="1417"/>
-              </a:spcAft>
-              <a:buClr>
-                <a:srgbClr val="000000"/>
-              </a:buClr>
-              <a:buSzPct val="45000"/>
-              <a:buFont typeface="Wingdings" charset="2"/>
-              <a:buChar char=""/>
-            </a:pPr>
-            <a:r>
-              <a:rPr b="0" lang="en-US" sz="3200" spc="-1" strike="noStrike">
-                <a:latin typeface="Arial"/>
-              </a:rPr>
-              <a:t>Click to edit the outline text format</a:t>
-            </a:r>
-            <a:endParaRPr b="0" lang="en-US" sz="3200" spc="-1" strike="noStrike">
-              <a:latin typeface="Arial"/>
-            </a:endParaRPr>
-          </a:p>
-          <a:p>
-            <a:pPr lvl="1" marL="864000" indent="-324000">
-              <a:spcAft>
-                <a:spcPts val="1134"/>
-              </a:spcAft>
-              <a:buClr>
-                <a:srgbClr val="000000"/>
-              </a:buClr>
-              <a:buSzPct val="75000"/>
-              <a:buFont typeface="Symbol" charset="2"/>
-              <a:buChar char=""/>
-            </a:pPr>
-            <a:r>
-              <a:rPr b="0" lang="en-US" sz="2800" spc="-1" strike="noStrike">
-                <a:latin typeface="Arial"/>
-              </a:rPr>
-              <a:t>Second Outline Level</a:t>
-            </a:r>
-            <a:endParaRPr b="0" lang="en-US" sz="2800" spc="-1" strike="noStrike">
-              <a:latin typeface="Arial"/>
-            </a:endParaRPr>
-          </a:p>
-          <a:p>
-            <a:pPr lvl="2" marL="1296000" indent="-288000">
-              <a:spcAft>
-                <a:spcPts val="850"/>
-              </a:spcAft>
-              <a:buClr>
-                <a:srgbClr val="000000"/>
-              </a:buClr>
-              <a:buSzPct val="45000"/>
-              <a:buFont typeface="Wingdings" charset="2"/>
-              <a:buChar char=""/>
-            </a:pPr>
-            <a:r>
-              <a:rPr b="0" lang="en-US" sz="2400" spc="-1" strike="noStrike">
-                <a:latin typeface="Arial"/>
-              </a:rPr>
-              <a:t>Third Outline Level</a:t>
-            </a:r>
-            <a:endParaRPr b="0" lang="en-US" sz="2400" spc="-1" strike="noStrike">
-              <a:latin typeface="Arial"/>
-            </a:endParaRPr>
-          </a:p>
-          <a:p>
-            <a:pPr lvl="3" marL="1728000" indent="-216000">
-              <a:spcAft>
-                <a:spcPts val="567"/>
-              </a:spcAft>
-              <a:buClr>
-                <a:srgbClr val="000000"/>
-              </a:buClr>
-              <a:buSzPct val="75000"/>
-              <a:buFont typeface="Symbol" charset="2"/>
-              <a:buChar char=""/>
-            </a:pPr>
-            <a:r>
-              <a:rPr b="0" lang="en-US" sz="2000" spc="-1" strike="noStrike">
-                <a:latin typeface="Arial"/>
-              </a:rPr>
-              <a:t>Fourth Outline Level</a:t>
-            </a:r>
-            <a:endParaRPr b="0" lang="en-US" sz="2000" spc="-1" strike="noStrike">
-              <a:latin typeface="Arial"/>
-            </a:endParaRPr>
-          </a:p>
-          <a:p>
-            <a:pPr lvl="4" marL="2160000" indent="-216000">
-              <a:spcAft>
-                <a:spcPts val="283"/>
-              </a:spcAft>
-              <a:buClr>
-                <a:srgbClr val="000000"/>
-              </a:buClr>
-              <a:buSzPct val="45000"/>
-              <a:buFont typeface="Wingdings" charset="2"/>
-              <a:buChar char=""/>
-            </a:pPr>
-            <a:r>
-              <a:rPr b="0" lang="en-US" sz="2000" spc="-1" strike="noStrike">
-                <a:latin typeface="Arial"/>
-              </a:rPr>
-              <a:t>Fifth Outline Level</a:t>
-            </a:r>
-            <a:endParaRPr b="0" lang="en-US" sz="2000" spc="-1" strike="noStrike">
-              <a:latin typeface="Arial"/>
-            </a:endParaRPr>
-          </a:p>
-          <a:p>
-            <a:pPr lvl="5" marL="2592000" indent="-216000">
-              <a:spcAft>
-                <a:spcPts val="283"/>
-              </a:spcAft>
-              <a:buClr>
-                <a:srgbClr val="000000"/>
-              </a:buClr>
-              <a:buSzPct val="45000"/>
-              <a:buFont typeface="Wingdings" charset="2"/>
-              <a:buChar char=""/>
-            </a:pPr>
-            <a:r>
-              <a:rPr b="0" lang="en-US" sz="2000" spc="-1" strike="noStrike">
-                <a:latin typeface="Arial"/>
-              </a:rPr>
-              <a:t>Sixth Outline Level</a:t>
-            </a:r>
-            <a:endParaRPr b="0" lang="en-US" sz="2000" spc="-1" strike="noStrike">
-              <a:latin typeface="Arial"/>
-            </a:endParaRPr>
-          </a:p>
-          <a:p>
-            <a:pPr lvl="6" marL="3024000" indent="-216000">
-              <a:spcAft>
-                <a:spcPts val="283"/>
-              </a:spcAft>
-              <a:buClr>
-                <a:srgbClr val="000000"/>
-              </a:buClr>
-              <a:buSzPct val="45000"/>
-              <a:buFont typeface="Wingdings" charset="2"/>
-              <a:buChar char=""/>
-            </a:pPr>
-            <a:r>
-              <a:rPr b="0" lang="en-US" sz="2000" spc="-1" strike="noStrike">
-                <a:latin typeface="Arial"/>
-              </a:rPr>
-              <a:t>Seventh Outline Level</a:t>
-            </a:r>
-            <a:endParaRPr b="0" lang="en-US" sz="2000" spc="-1" strike="noStrike">
-              <a:latin typeface="Arial"/>
-            </a:endParaRPr>
-          </a:p>
-        </p:txBody>
-      </p:sp>
-      <p:sp>
-        <p:nvSpPr>
-          <p:cNvPr id="85" name="PlaceHolder 3"/>
-          <p:cNvSpPr>
-            <a:spLocks noGrp="1"/>
-          </p:cNvSpPr>
-          <p:nvPr>
-            <p:ph type="dt"/>
-          </p:nvPr>
-        </p:nvSpPr>
-        <p:spPr>
-          <a:xfrm>
-            <a:off x="180000" y="6887160"/>
-            <a:ext cx="2348280" cy="521280"/>
-          </a:xfrm>
-          <a:prstGeom prst="rect">
-            <a:avLst/>
-          </a:prstGeom>
-        </p:spPr>
-        <p:txBody>
-          <a:bodyPr lIns="0" rIns="0" tIns="0" bIns="0" anchor="b">
-            <a:noAutofit/>
-          </a:bodyPr>
-          <a:p>
-            <a:r>
-              <a:rPr b="0" lang="en-US" sz="1400" spc="-1" strike="noStrike">
-                <a:latin typeface="Times New Roman"/>
-              </a:rPr>
-              <a:t>&lt;date/time&gt;</a:t>
-            </a:r>
-            <a:endParaRPr b="0" lang="en-US" sz="1400" spc="-1" strike="noStrike">
-              <a:latin typeface="Times New Roman"/>
-            </a:endParaRPr>
-          </a:p>
-        </p:txBody>
-      </p:sp>
-      <p:sp>
-        <p:nvSpPr>
-          <p:cNvPr id="86" name="PlaceHolder 4"/>
-          <p:cNvSpPr>
-            <a:spLocks noGrp="1"/>
-          </p:cNvSpPr>
-          <p:nvPr>
-            <p:ph type="ftr"/>
-          </p:nvPr>
-        </p:nvSpPr>
-        <p:spPr>
-          <a:xfrm>
-            <a:off x="3447360" y="6887160"/>
-            <a:ext cx="3195000" cy="521280"/>
-          </a:xfrm>
-          <a:prstGeom prst="rect">
-            <a:avLst/>
-          </a:prstGeom>
-        </p:spPr>
-        <p:txBody>
-          <a:bodyPr lIns="0" rIns="0" tIns="0" bIns="0" anchor="b">
-            <a:noAutofit/>
-          </a:bodyPr>
-          <a:p>
-            <a:pPr algn="ctr"/>
-            <a:r>
-              <a:rPr b="0" lang="en-US" sz="1400" spc="-1" strike="noStrike">
-                <a:latin typeface="Times New Roman"/>
-              </a:rPr>
-              <a:t>&lt;footer&gt;</a:t>
-            </a:r>
-            <a:endParaRPr b="0" lang="en-US" sz="1400" spc="-1" strike="noStrike">
-              <a:latin typeface="Times New Roman"/>
-            </a:endParaRPr>
-          </a:p>
-        </p:txBody>
-      </p:sp>
-      <p:sp>
-        <p:nvSpPr>
-          <p:cNvPr id="87" name="PlaceHolder 5"/>
-          <p:cNvSpPr>
-            <a:spLocks noGrp="1"/>
-          </p:cNvSpPr>
-          <p:nvPr>
-            <p:ph type="sldNum"/>
-          </p:nvPr>
-        </p:nvSpPr>
-        <p:spPr>
-          <a:xfrm>
-            <a:off x="7587360" y="6887160"/>
-            <a:ext cx="2348280" cy="521280"/>
-          </a:xfrm>
-          <a:prstGeom prst="rect">
-            <a:avLst/>
-          </a:prstGeom>
-        </p:spPr>
-        <p:txBody>
-          <a:bodyPr lIns="0" rIns="0" tIns="0" bIns="0" anchor="b">
-            <a:noAutofit/>
-          </a:bodyPr>
-          <a:p>
-            <a:pPr algn="r"/>
-            <a:fld id="{42EF5F4B-C9BE-4196-B5C5-0D6A0DB31E58}" type="slidenum">
-              <a:rPr b="0" lang="en-US" sz="1400" spc="-1" strike="noStrike">
-                <a:latin typeface="Times New Roman"/>
-              </a:rPr>
-              <a:t>&lt;number&gt;</a:t>
-            </a:fld>
-            <a:endParaRPr b="0" lang="en-US" sz="1400" spc="-1" strike="noStrike">
-              <a:latin typeface="Times New Roman"/>
-            </a:endParaRPr>
-          </a:p>
-        </p:txBody>
-      </p:sp>
-    </p:spTree>
-  </p:cSld>
-  <p:clrMap bg1="lt1" bg2="lt2" tx1="dk1" tx2="dk2" accent1="accent1" accent2="accent2" accent3="accent3" accent4="accent4" accent5="accent5" accent6="accent6" hlink="hlink" folHlink="folHlink"/>
-  <p:sldLayoutIdLst>
-    <p:sldLayoutId id="2147483675" r:id="rId3"/>
-    <p:sldLayoutId id="2147483676" r:id="rId4"/>
-    <p:sldLayoutId id="2147483677" r:id="rId5"/>
-    <p:sldLayoutId id="2147483678" r:id="rId6"/>
-    <p:sldLayoutId id="2147483679" r:id="rId7"/>
-    <p:sldLayoutId id="2147483680" r:id="rId8"/>
-    <p:sldLayoutId id="2147483681" r:id="rId9"/>
-    <p:sldLayoutId id="2147483682" r:id="rId10"/>
-    <p:sldLayoutId id="2147483683" r:id="rId11"/>
-    <p:sldLayoutId id="2147483684" r:id="rId12"/>
-    <p:sldLayoutId id="2147483685" r:id="rId13"/>
-    <p:sldLayoutId id="2147483686" r:id="rId14"/>
   </p:sldLayoutIdLst>
 </p:sldMaster>
 </file>
@@ -5894,14 +3933,14 @@
       </p:grpSpPr>
       <p:sp>
         <p:nvSpPr>
-          <p:cNvPr id="130" name="TextShape 1"/>
-          <p:cNvSpPr txBox="1"/>
+          <p:cNvPr id="82" name="CustomShape 1"/>
+          <p:cNvSpPr/>
           <p:nvPr/>
         </p:nvSpPr>
         <p:spPr>
           <a:xfrm>
-            <a:off x="504000" y="1905480"/>
-            <a:ext cx="9071640" cy="1262520"/>
+            <a:off x="504000" y="1926720"/>
+            <a:ext cx="9071280" cy="1219680"/>
           </a:xfrm>
           <a:prstGeom prst="rect">
             <a:avLst/>
@@ -5911,11 +3950,22 @@
             <a:noFill/>
           </a:ln>
         </p:spPr>
+        <p:style>
+          <a:lnRef idx="0"/>
+          <a:fillRef idx="0"/>
+          <a:effectRef idx="0"/>
+          <a:fontRef idx="minor"/>
+        </p:style>
         <p:txBody>
           <a:bodyPr lIns="0" rIns="0" tIns="0" bIns="0" anchor="ctr">
             <a:spAutoFit/>
           </a:bodyPr>
           <a:p>
+            <a:pPr>
+              <a:lnSpc>
+                <a:spcPct val="100000"/>
+              </a:lnSpc>
+            </a:pPr>
             <a:r>
               <a:rPr b="0" lang="en-US" sz="4000" spc="-1" strike="noStrike">
                 <a:solidFill>
@@ -5936,24 +3986,21 @@
               <a:t>Data Science &amp; Software Engineering</a:t>
             </a:r>
             <a:endParaRPr b="0" lang="en-US" sz="4000" spc="-1" strike="noStrike">
-              <a:solidFill>
-                <a:srgbClr val="ffffff"/>
-              </a:solidFill>
-              <a:latin typeface="Arial"/>
-            </a:endParaRPr>
-          </a:p>
-        </p:txBody>
-      </p:sp>
-      <p:sp>
-        <p:nvSpPr>
-          <p:cNvPr id="131" name="TextShape 2"/>
-          <p:cNvSpPr txBox="1"/>
+              <a:latin typeface="Arial"/>
+            </a:endParaRPr>
+          </a:p>
+        </p:txBody>
+      </p:sp>
+      <p:sp>
+        <p:nvSpPr>
+          <p:cNvPr id="83" name="CustomShape 2"/>
+          <p:cNvSpPr/>
           <p:nvPr/>
         </p:nvSpPr>
         <p:spPr>
           <a:xfrm>
-            <a:off x="504000" y="3456000"/>
-            <a:ext cx="9071640" cy="2697120"/>
+            <a:off x="504000" y="4560120"/>
+            <a:ext cx="9071280" cy="488160"/>
           </a:xfrm>
           <a:prstGeom prst="rect">
             <a:avLst/>
@@ -5963,12 +4010,22 @@
             <a:noFill/>
           </a:ln>
         </p:spPr>
+        <p:style>
+          <a:lnRef idx="0"/>
+          <a:fillRef idx="0"/>
+          <a:effectRef idx="0"/>
+          <a:fontRef idx="minor"/>
+        </p:style>
         <p:txBody>
           <a:bodyPr lIns="0" rIns="0" tIns="0" bIns="0" anchor="ctr">
             <a:spAutoFit/>
           </a:bodyPr>
           <a:p>
-            <a:pPr algn="ctr"/>
+            <a:pPr algn="ctr">
+              <a:lnSpc>
+                <a:spcPct val="100000"/>
+              </a:lnSpc>
+            </a:pPr>
             <a:r>
               <a:rPr b="0" lang="en-US" sz="3200" spc="-1" strike="noStrike">
                 <a:solidFill>
@@ -5979,9 +4036,6 @@
               <a:t>Farzad Ehtemam</a:t>
             </a:r>
             <a:endParaRPr b="0" lang="en-US" sz="3200" spc="-1" strike="noStrike">
-              <a:solidFill>
-                <a:srgbClr val="ffffff"/>
-              </a:solidFill>
               <a:latin typeface="Arial"/>
             </a:endParaRPr>
           </a:p>
@@ -6019,14 +4073,14 @@
       </p:grpSpPr>
       <p:sp>
         <p:nvSpPr>
-          <p:cNvPr id="132" name="TextShape 1"/>
-          <p:cNvSpPr txBox="1"/>
+          <p:cNvPr id="84" name="CustomShape 1"/>
+          <p:cNvSpPr/>
           <p:nvPr/>
         </p:nvSpPr>
         <p:spPr>
           <a:xfrm>
-            <a:off x="504000" y="408600"/>
-            <a:ext cx="9071640" cy="1262520"/>
+            <a:off x="504000" y="704160"/>
+            <a:ext cx="9071280" cy="671040"/>
           </a:xfrm>
           <a:prstGeom prst="rect">
             <a:avLst/>
@@ -6040,11 +4094,22 @@
             <a:noFill/>
           </a:ln>
         </p:spPr>
+        <p:style>
+          <a:lnRef idx="0"/>
+          <a:fillRef idx="0"/>
+          <a:effectRef idx="0"/>
+          <a:fontRef idx="minor"/>
+        </p:style>
         <p:txBody>
           <a:bodyPr lIns="0" rIns="0" tIns="0" bIns="0" anchor="ctr">
             <a:spAutoFit/>
           </a:bodyPr>
           <a:p>
+            <a:pPr>
+              <a:lnSpc>
+                <a:spcPct val="100000"/>
+              </a:lnSpc>
+            </a:pPr>
             <a:r>
               <a:rPr b="0" lang="en-US" sz="4400" spc="-1" strike="noStrike">
                 <a:latin typeface="Arial"/>
@@ -6059,14 +4124,14 @@
       </p:sp>
       <p:sp>
         <p:nvSpPr>
-          <p:cNvPr id="133" name="TextShape 2"/>
-          <p:cNvSpPr txBox="1"/>
+          <p:cNvPr id="85" name="CustomShape 2"/>
+          <p:cNvSpPr/>
           <p:nvPr/>
         </p:nvSpPr>
         <p:spPr>
           <a:xfrm>
             <a:off x="504000" y="2020680"/>
-            <a:ext cx="9071640" cy="4675320"/>
+            <a:ext cx="9071280" cy="4674960"/>
           </a:xfrm>
           <a:prstGeom prst="rect">
             <a:avLst/>
@@ -6080,28 +4145,34 @@
             <a:noFill/>
           </a:ln>
         </p:spPr>
+        <p:style>
+          <a:lnRef idx="0"/>
+          <a:fillRef idx="0"/>
+          <a:effectRef idx="0"/>
+          <a:fontRef idx="minor"/>
+        </p:style>
         <p:txBody>
           <a:bodyPr lIns="0" rIns="0" tIns="0" bIns="0">
             <a:normAutofit/>
           </a:bodyPr>
           <a:p>
-            <a:pPr marL="432000" indent="-324000">
+            <a:pPr>
+              <a:lnSpc>
+                <a:spcPct val="100000"/>
+              </a:lnSpc>
               <a:spcAft>
                 <a:spcPts val="1414"/>
               </a:spcAft>
-              <a:buClr>
-                <a:srgbClr val="ffffff"/>
-              </a:buClr>
-              <a:buSzPct val="45000"/>
-              <a:buFont typeface="Wingdings" charset="2"/>
-              <a:buChar char=""/>
             </a:pPr>
-            <a:endParaRPr b="0" lang="en-US" sz="3200" spc="-1" strike="noStrike">
-              <a:latin typeface="Arial"/>
-            </a:endParaRPr>
-          </a:p>
-          <a:p>
-            <a:pPr marL="432000" indent="-324000">
+            <a:endParaRPr b="0" lang="en-US" sz="1800" spc="-1" strike="noStrike">
+              <a:latin typeface="Arial"/>
+            </a:endParaRPr>
+          </a:p>
+          <a:p>
+            <a:pPr marL="432000" indent="-323640">
+              <a:lnSpc>
+                <a:spcPct val="100000"/>
+              </a:lnSpc>
               <a:spcAft>
                 <a:spcPts val="1414"/>
               </a:spcAft>
@@ -6123,7 +4194,10 @@
             </a:endParaRPr>
           </a:p>
           <a:p>
-            <a:pPr marL="432000" indent="-324000">
+            <a:pPr marL="432000" indent="-323640">
+              <a:lnSpc>
+                <a:spcPct val="100000"/>
+              </a:lnSpc>
               <a:spcAft>
                 <a:spcPts val="1414"/>
               </a:spcAft>
@@ -6145,7 +4219,10 @@
             </a:endParaRPr>
           </a:p>
           <a:p>
-            <a:pPr marL="432000" indent="-324000">
+            <a:pPr marL="432000" indent="-323640">
+              <a:lnSpc>
+                <a:spcPct val="100000"/>
+              </a:lnSpc>
               <a:spcAft>
                 <a:spcPts val="1414"/>
               </a:spcAft>
@@ -6167,7 +4244,10 @@
             </a:endParaRPr>
           </a:p>
           <a:p>
-            <a:pPr marL="432000" indent="-324000">
+            <a:pPr marL="432000" indent="-323640">
+              <a:lnSpc>
+                <a:spcPct val="100000"/>
+              </a:lnSpc>
               <a:spcAft>
                 <a:spcPts val="1414"/>
               </a:spcAft>
@@ -6222,14 +4302,14 @@
       </p:grpSpPr>
       <p:sp>
         <p:nvSpPr>
-          <p:cNvPr id="134" name="TextShape 1"/>
-          <p:cNvSpPr txBox="1"/>
+          <p:cNvPr id="86" name="CustomShape 1"/>
+          <p:cNvSpPr/>
           <p:nvPr/>
         </p:nvSpPr>
         <p:spPr>
           <a:xfrm>
-            <a:off x="504000" y="408600"/>
-            <a:ext cx="9071640" cy="1262520"/>
+            <a:off x="504000" y="704160"/>
+            <a:ext cx="9071280" cy="671040"/>
           </a:xfrm>
           <a:prstGeom prst="rect">
             <a:avLst/>
@@ -6243,11 +4323,22 @@
             <a:noFill/>
           </a:ln>
         </p:spPr>
+        <p:style>
+          <a:lnRef idx="0"/>
+          <a:fillRef idx="0"/>
+          <a:effectRef idx="0"/>
+          <a:fontRef idx="minor"/>
+        </p:style>
         <p:txBody>
           <a:bodyPr lIns="0" rIns="0" tIns="0" bIns="0" anchor="ctr">
             <a:spAutoFit/>
           </a:bodyPr>
           <a:p>
+            <a:pPr>
+              <a:lnSpc>
+                <a:spcPct val="100000"/>
+              </a:lnSpc>
+            </a:pPr>
             <a:r>
               <a:rPr b="0" lang="en-US" sz="4400" spc="-1" strike="noStrike">
                 <a:latin typeface="Arial"/>
@@ -6262,14 +4353,14 @@
       </p:sp>
       <p:sp>
         <p:nvSpPr>
-          <p:cNvPr id="135" name="TextShape 2"/>
-          <p:cNvSpPr txBox="1"/>
+          <p:cNvPr id="87" name="CustomShape 2"/>
+          <p:cNvSpPr/>
           <p:nvPr/>
         </p:nvSpPr>
         <p:spPr>
           <a:xfrm>
             <a:off x="504000" y="2020680"/>
-            <a:ext cx="9071640" cy="4675320"/>
+            <a:ext cx="9071280" cy="4674960"/>
           </a:xfrm>
           <a:prstGeom prst="rect">
             <a:avLst/>
@@ -6283,28 +4374,34 @@
             <a:noFill/>
           </a:ln>
         </p:spPr>
+        <p:style>
+          <a:lnRef idx="0"/>
+          <a:fillRef idx="0"/>
+          <a:effectRef idx="0"/>
+          <a:fontRef idx="minor"/>
+        </p:style>
         <p:txBody>
           <a:bodyPr lIns="0" rIns="0" tIns="0" bIns="0">
             <a:normAutofit/>
           </a:bodyPr>
           <a:p>
-            <a:pPr marL="432000" indent="-324000">
+            <a:pPr>
+              <a:lnSpc>
+                <a:spcPct val="100000"/>
+              </a:lnSpc>
               <a:spcAft>
                 <a:spcPts val="1414"/>
               </a:spcAft>
-              <a:buClr>
-                <a:srgbClr val="ffffff"/>
-              </a:buClr>
-              <a:buSzPct val="45000"/>
-              <a:buFont typeface="Wingdings" charset="2"/>
-              <a:buChar char=""/>
             </a:pPr>
-            <a:endParaRPr b="0" lang="en-US" sz="3200" spc="-1" strike="noStrike">
-              <a:latin typeface="Arial"/>
-            </a:endParaRPr>
-          </a:p>
-          <a:p>
-            <a:pPr marL="432000" indent="-324000">
+            <a:endParaRPr b="0" lang="en-US" sz="1800" spc="-1" strike="noStrike">
+              <a:latin typeface="Arial"/>
+            </a:endParaRPr>
+          </a:p>
+          <a:p>
+            <a:pPr marL="432000" indent="-323640">
+              <a:lnSpc>
+                <a:spcPct val="100000"/>
+              </a:lnSpc>
               <a:spcAft>
                 <a:spcPts val="1414"/>
               </a:spcAft>
@@ -6326,7 +4423,10 @@
             </a:endParaRPr>
           </a:p>
           <a:p>
-            <a:pPr marL="432000" indent="-324000">
+            <a:pPr marL="432000" indent="-323640">
+              <a:lnSpc>
+                <a:spcPct val="100000"/>
+              </a:lnSpc>
               <a:spcAft>
                 <a:spcPts val="1414"/>
               </a:spcAft>
@@ -6348,7 +4448,10 @@
             </a:endParaRPr>
           </a:p>
           <a:p>
-            <a:pPr marL="432000" indent="-324000">
+            <a:pPr marL="432000" indent="-323640">
+              <a:lnSpc>
+                <a:spcPct val="100000"/>
+              </a:lnSpc>
               <a:spcAft>
                 <a:spcPts val="1414"/>
               </a:spcAft>
@@ -6370,7 +4473,10 @@
             </a:endParaRPr>
           </a:p>
           <a:p>
-            <a:pPr marL="432000" indent="-324000">
+            <a:pPr marL="432000" indent="-323640">
+              <a:lnSpc>
+                <a:spcPct val="100000"/>
+              </a:lnSpc>
               <a:spcAft>
                 <a:spcPts val="1414"/>
               </a:spcAft>
@@ -6392,7 +4498,10 @@
             </a:endParaRPr>
           </a:p>
           <a:p>
-            <a:pPr marL="432000" indent="-324000">
+            <a:pPr marL="432000" indent="-323640">
+              <a:lnSpc>
+                <a:spcPct val="100000"/>
+              </a:lnSpc>
               <a:spcAft>
                 <a:spcPts val="1414"/>
               </a:spcAft>
@@ -6447,14 +4556,14 @@
       </p:grpSpPr>
       <p:sp>
         <p:nvSpPr>
-          <p:cNvPr id="136" name="TextShape 1"/>
-          <p:cNvSpPr txBox="1"/>
+          <p:cNvPr id="88" name="CustomShape 1"/>
+          <p:cNvSpPr/>
           <p:nvPr/>
         </p:nvSpPr>
         <p:spPr>
           <a:xfrm>
-            <a:off x="504000" y="408600"/>
-            <a:ext cx="9071640" cy="1262520"/>
+            <a:off x="504000" y="704160"/>
+            <a:ext cx="9071280" cy="671040"/>
           </a:xfrm>
           <a:prstGeom prst="rect">
             <a:avLst/>
@@ -6468,11 +4577,22 @@
             <a:noFill/>
           </a:ln>
         </p:spPr>
+        <p:style>
+          <a:lnRef idx="0"/>
+          <a:fillRef idx="0"/>
+          <a:effectRef idx="0"/>
+          <a:fontRef idx="minor"/>
+        </p:style>
         <p:txBody>
           <a:bodyPr lIns="0" rIns="0" tIns="0" bIns="0" anchor="ctr">
             <a:spAutoFit/>
           </a:bodyPr>
           <a:p>
+            <a:pPr>
+              <a:lnSpc>
+                <a:spcPct val="100000"/>
+              </a:lnSpc>
+            </a:pPr>
             <a:r>
               <a:rPr b="0" lang="en-US" sz="4400" spc="-1" strike="noStrike">
                 <a:latin typeface="Arial"/>
@@ -6487,7 +4607,7 @@
       </p:sp>
       <p:pic>
         <p:nvPicPr>
-          <p:cNvPr id="137" name="" descr=""/>
+          <p:cNvPr id="89" name="" descr=""/>
           <p:cNvPicPr/>
           <p:nvPr/>
         </p:nvPicPr>
@@ -6498,7 +4618,7 @@
         <p:spPr>
           <a:xfrm>
             <a:off x="566280" y="1779480"/>
-            <a:ext cx="8760600" cy="4529880"/>
+            <a:ext cx="8760240" cy="4529520"/>
           </a:xfrm>
           <a:prstGeom prst="rect">
             <a:avLst/>
@@ -6510,14 +4630,14 @@
       </p:pic>
       <p:sp>
         <p:nvSpPr>
-          <p:cNvPr id="138" name="TextShape 2"/>
-          <p:cNvSpPr txBox="1"/>
+          <p:cNvPr id="90" name="CustomShape 2"/>
+          <p:cNvSpPr/>
           <p:nvPr/>
         </p:nvSpPr>
         <p:spPr>
           <a:xfrm>
             <a:off x="1371600" y="6400800"/>
-            <a:ext cx="7223760" cy="346320"/>
+            <a:ext cx="7223400" cy="363960"/>
           </a:xfrm>
           <a:prstGeom prst="rect">
             <a:avLst/>
@@ -6527,12 +4647,22 @@
             <a:noFill/>
           </a:ln>
         </p:spPr>
+        <p:style>
+          <a:lnRef idx="0"/>
+          <a:fillRef idx="0"/>
+          <a:effectRef idx="0"/>
+          <a:fontRef idx="minor"/>
+        </p:style>
         <p:txBody>
           <a:bodyPr lIns="90000" rIns="90000" tIns="45000" bIns="45000">
             <a:spAutoFit/>
           </a:bodyPr>
           <a:p>
-            <a:pPr algn="ctr"/>
+            <a:pPr algn="ctr">
+              <a:lnSpc>
+                <a:spcPct val="100000"/>
+              </a:lnSpc>
+            </a:pPr>
             <a:r>
               <a:rPr b="0" lang="en-US" sz="1800" spc="-1" strike="noStrike">
                 <a:latin typeface="Arial"/>
@@ -6577,14 +4707,14 @@
       </p:grpSpPr>
       <p:sp>
         <p:nvSpPr>
-          <p:cNvPr id="139" name="TextShape 1"/>
-          <p:cNvSpPr txBox="1"/>
+          <p:cNvPr id="91" name="CustomShape 1"/>
+          <p:cNvSpPr/>
           <p:nvPr/>
         </p:nvSpPr>
         <p:spPr>
           <a:xfrm>
-            <a:off x="504000" y="408600"/>
-            <a:ext cx="9071640" cy="1262520"/>
+            <a:off x="504000" y="704160"/>
+            <a:ext cx="9071280" cy="671040"/>
           </a:xfrm>
           <a:prstGeom prst="rect">
             <a:avLst/>
@@ -6598,11 +4728,22 @@
             <a:noFill/>
           </a:ln>
         </p:spPr>
+        <p:style>
+          <a:lnRef idx="0"/>
+          <a:fillRef idx="0"/>
+          <a:effectRef idx="0"/>
+          <a:fontRef idx="minor"/>
+        </p:style>
         <p:txBody>
           <a:bodyPr lIns="0" rIns="0" tIns="0" bIns="0" anchor="ctr">
             <a:spAutoFit/>
           </a:bodyPr>
           <a:p>
+            <a:pPr>
+              <a:lnSpc>
+                <a:spcPct val="100000"/>
+              </a:lnSpc>
+            </a:pPr>
             <a:r>
               <a:rPr b="0" lang="en-US" sz="4400" spc="-1" strike="noStrike">
                 <a:latin typeface="Arial"/>
@@ -6617,14 +4758,14 @@
       </p:sp>
       <p:sp>
         <p:nvSpPr>
-          <p:cNvPr id="140" name="TextShape 2"/>
-          <p:cNvSpPr txBox="1"/>
+          <p:cNvPr id="92" name="CustomShape 2"/>
+          <p:cNvSpPr/>
           <p:nvPr/>
         </p:nvSpPr>
         <p:spPr>
           <a:xfrm>
             <a:off x="504000" y="2020680"/>
-            <a:ext cx="9071640" cy="4675320"/>
+            <a:ext cx="9071280" cy="4674960"/>
           </a:xfrm>
           <a:prstGeom prst="rect">
             <a:avLst/>
@@ -6638,28 +4779,34 @@
             <a:noFill/>
           </a:ln>
         </p:spPr>
+        <p:style>
+          <a:lnRef idx="0"/>
+          <a:fillRef idx="0"/>
+          <a:effectRef idx="0"/>
+          <a:fontRef idx="minor"/>
+        </p:style>
         <p:txBody>
           <a:bodyPr lIns="0" rIns="0" tIns="0" bIns="0">
             <a:normAutofit/>
           </a:bodyPr>
           <a:p>
-            <a:pPr marL="432000" indent="-324000">
+            <a:pPr>
+              <a:lnSpc>
+                <a:spcPct val="100000"/>
+              </a:lnSpc>
               <a:spcAft>
                 <a:spcPts val="1414"/>
               </a:spcAft>
-              <a:buClr>
-                <a:srgbClr val="ffffff"/>
-              </a:buClr>
-              <a:buSzPct val="45000"/>
-              <a:buFont typeface="Wingdings" charset="2"/>
-              <a:buChar char=""/>
             </a:pPr>
-            <a:endParaRPr b="0" lang="en-US" sz="3200" spc="-1" strike="noStrike">
-              <a:latin typeface="Arial"/>
-            </a:endParaRPr>
-          </a:p>
-          <a:p>
-            <a:pPr marL="432000" indent="-324000">
+            <a:endParaRPr b="0" lang="en-US" sz="1800" spc="-1" strike="noStrike">
+              <a:latin typeface="Arial"/>
+            </a:endParaRPr>
+          </a:p>
+          <a:p>
+            <a:pPr marL="432000" indent="-323640">
+              <a:lnSpc>
+                <a:spcPct val="100000"/>
+              </a:lnSpc>
               <a:spcAft>
                 <a:spcPts val="1414"/>
               </a:spcAft>
@@ -6681,7 +4828,10 @@
             </a:endParaRPr>
           </a:p>
           <a:p>
-            <a:pPr marL="432000" indent="-324000">
+            <a:pPr marL="432000" indent="-323640">
+              <a:lnSpc>
+                <a:spcPct val="100000"/>
+              </a:lnSpc>
               <a:spcAft>
                 <a:spcPts val="1414"/>
               </a:spcAft>
@@ -6703,7 +4853,10 @@
             </a:endParaRPr>
           </a:p>
           <a:p>
-            <a:pPr marL="432000" indent="-324000">
+            <a:pPr marL="432000" indent="-323640">
+              <a:lnSpc>
+                <a:spcPct val="100000"/>
+              </a:lnSpc>
               <a:spcAft>
                 <a:spcPts val="1414"/>
               </a:spcAft>
@@ -6725,7 +4878,10 @@
             </a:endParaRPr>
           </a:p>
           <a:p>
-            <a:pPr marL="432000" indent="-324000">
+            <a:pPr marL="432000" indent="-323640">
+              <a:lnSpc>
+                <a:spcPct val="100000"/>
+              </a:lnSpc>
               <a:spcAft>
                 <a:spcPts val="1414"/>
               </a:spcAft>
@@ -6780,14 +4936,14 @@
       </p:grpSpPr>
       <p:sp>
         <p:nvSpPr>
-          <p:cNvPr id="141" name="TextShape 1"/>
-          <p:cNvSpPr txBox="1"/>
+          <p:cNvPr id="93" name="CustomShape 1"/>
+          <p:cNvSpPr/>
           <p:nvPr/>
         </p:nvSpPr>
         <p:spPr>
           <a:xfrm>
             <a:off x="504000" y="2020680"/>
-            <a:ext cx="9071640" cy="4675320"/>
+            <a:ext cx="9071280" cy="4674960"/>
           </a:xfrm>
           <a:prstGeom prst="rect">
             <a:avLst/>
@@ -6801,44 +4957,47 @@
             <a:noFill/>
           </a:ln>
         </p:spPr>
+        <p:style>
+          <a:lnRef idx="0"/>
+          <a:fillRef idx="0"/>
+          <a:effectRef idx="0"/>
+          <a:fontRef idx="minor"/>
+        </p:style>
         <p:txBody>
           <a:bodyPr lIns="0" rIns="0" tIns="0" bIns="0">
             <a:normAutofit/>
           </a:bodyPr>
           <a:p>
-            <a:pPr marL="432000" indent="-324000" algn="ctr">
+            <a:pPr algn="ctr">
+              <a:lnSpc>
+                <a:spcPct val="100000"/>
+              </a:lnSpc>
               <a:spcAft>
                 <a:spcPts val="1414"/>
               </a:spcAft>
-              <a:buClr>
-                <a:srgbClr val="ffffff"/>
-              </a:buClr>
-              <a:buSzPct val="45000"/>
-              <a:buFont typeface="Wingdings" charset="2"/>
-              <a:buChar char=""/>
             </a:pPr>
-            <a:endParaRPr b="0" lang="en-US" sz="4800" spc="-1" strike="noStrike">
-              <a:latin typeface="Arial"/>
-            </a:endParaRPr>
-          </a:p>
-          <a:p>
-            <a:pPr marL="432000" indent="-324000" algn="ctr">
+            <a:endParaRPr b="0" lang="en-US" sz="1800" spc="-1" strike="noStrike">
+              <a:latin typeface="Arial"/>
+            </a:endParaRPr>
+          </a:p>
+          <a:p>
+            <a:pPr algn="ctr">
+              <a:lnSpc>
+                <a:spcPct val="100000"/>
+              </a:lnSpc>
               <a:spcAft>
                 <a:spcPts val="1414"/>
               </a:spcAft>
-              <a:buClr>
-                <a:srgbClr val="ffffff"/>
-              </a:buClr>
-              <a:buSzPct val="45000"/>
-              <a:buFont typeface="Wingdings" charset="2"/>
-              <a:buChar char=""/>
             </a:pPr>
-            <a:endParaRPr b="0" lang="en-US" sz="4800" spc="-1" strike="noStrike">
-              <a:latin typeface="Arial"/>
-            </a:endParaRPr>
-          </a:p>
-          <a:p>
-            <a:pPr marL="432000" indent="-324000" algn="ctr">
+            <a:endParaRPr b="0" lang="en-US" sz="1800" spc="-1" strike="noStrike">
+              <a:latin typeface="Arial"/>
+            </a:endParaRPr>
+          </a:p>
+          <a:p>
+            <a:pPr marL="432000" indent="-323640" algn="ctr">
+              <a:lnSpc>
+                <a:spcPct val="100000"/>
+              </a:lnSpc>
               <a:spcAft>
                 <a:spcPts val="1414"/>
               </a:spcAft>
@@ -7541,227 +5700,4 @@
     </a:fmtScheme>
   </a:themeElements>
 </a:theme>
-</file>
-
-<file path=ppt/theme/theme4.xml><?xml version="1.0" encoding="utf-8"?>
-<a:theme xmlns:a="http://schemas.openxmlformats.org/drawingml/2006/main" name="Office Theme">
-  <a:themeElements>
-    <a:clrScheme name="Office">
-      <a:dk1>
-        <a:sysClr val="windowText" lastClr="000000"/>
-      </a:dk1>
-      <a:lt1>
-        <a:sysClr val="window" lastClr="FFFFFF"/>
-      </a:lt1>
-      <a:dk2>
-        <a:srgbClr val="1f497d"/>
-      </a:dk2>
-      <a:lt2>
-        <a:srgbClr val="eeece1"/>
-      </a:lt2>
-      <a:accent1>
-        <a:srgbClr val="4f81bd"/>
-      </a:accent1>
-      <a:accent2>
-        <a:srgbClr val="c0504d"/>
-      </a:accent2>
-      <a:accent3>
-        <a:srgbClr val="9bbb59"/>
-      </a:accent3>
-      <a:accent4>
-        <a:srgbClr val="8064a2"/>
-      </a:accent4>
-      <a:accent5>
-        <a:srgbClr val="4bacc6"/>
-      </a:accent5>
-      <a:accent6>
-        <a:srgbClr val="f79646"/>
-      </a:accent6>
-      <a:hlink>
-        <a:srgbClr val="0000ff"/>
-      </a:hlink>
-      <a:folHlink>
-        <a:srgbClr val="800080"/>
-      </a:folHlink>
-    </a:clrScheme>
-    <a:fontScheme name="Office">
-      <a:majorFont>
-        <a:latin typeface="Arial"/>
-        <a:ea typeface="DejaVu Sans"/>
-        <a:cs typeface="DejaVu Sans"/>
-      </a:majorFont>
-      <a:minorFont>
-        <a:latin typeface="Arial"/>
-        <a:ea typeface="DejaVu Sans"/>
-        <a:cs typeface="DejaVu Sans"/>
-      </a:minorFont>
-    </a:fontScheme>
-    <a:fmtScheme name="Office">
-      <a:fillStyleLst>
-        <a:solidFill>
-          <a:schemeClr val="phClr"/>
-        </a:solidFill>
-        <a:gradFill rotWithShape="1">
-          <a:gsLst>
-            <a:gs pos="0">
-              <a:schemeClr val="phClr">
-                <a:tint val="50000"/>
-                <a:satMod val="300000"/>
-              </a:schemeClr>
-            </a:gs>
-            <a:gs pos="35000">
-              <a:schemeClr val="phClr">
-                <a:tint val="37000"/>
-                <a:satMod val="300000"/>
-              </a:schemeClr>
-            </a:gs>
-            <a:gs pos="100000">
-              <a:schemeClr val="phClr">
-                <a:tint val="15000"/>
-                <a:satMod val="350000"/>
-              </a:schemeClr>
-            </a:gs>
-          </a:gsLst>
-          <a:lin ang="16200000" scaled="1"/>
-        </a:gradFill>
-        <a:gradFill rotWithShape="1">
-          <a:gsLst>
-            <a:gs pos="0">
-              <a:schemeClr val="phClr">
-                <a:shade val="51000"/>
-                <a:satMod val="130000"/>
-              </a:schemeClr>
-            </a:gs>
-            <a:gs pos="80000">
-              <a:schemeClr val="phClr">
-                <a:shade val="93000"/>
-                <a:satMod val="130000"/>
-              </a:schemeClr>
-            </a:gs>
-            <a:gs pos="100000">
-              <a:schemeClr val="phClr">
-                <a:shade val="94000"/>
-                <a:satMod val="135000"/>
-              </a:schemeClr>
-            </a:gs>
-          </a:gsLst>
-          <a:lin ang="16200000" scaled="0"/>
-        </a:gradFill>
-      </a:fillStyleLst>
-      <a:lnStyleLst>
-        <a:ln w="9525" cap="flat" cmpd="sng" algn="ctr">
-          <a:solidFill>
-            <a:schemeClr val="phClr">
-              <a:shade val="95000"/>
-              <a:satMod val="105000"/>
-            </a:schemeClr>
-          </a:solidFill>
-          <a:prstDash val="solid"/>
-        </a:ln>
-        <a:ln w="25400" cap="flat" cmpd="sng" algn="ctr">
-          <a:solidFill>
-            <a:schemeClr val="phClr"/>
-          </a:solidFill>
-          <a:prstDash val="solid"/>
-        </a:ln>
-        <a:ln w="38100" cap="flat" cmpd="sng" algn="ctr">
-          <a:solidFill>
-            <a:schemeClr val="phClr"/>
-          </a:solidFill>
-          <a:prstDash val="solid"/>
-        </a:ln>
-      </a:lnStyleLst>
-      <a:effectStyleLst>
-        <a:effectStyle>
-          <a:effectLst>
-            <a:outerShdw blurRad="40000" dist="20000" dir="5400000" rotWithShape="0">
-              <a:srgbClr val="000000">
-                <a:alpha val="38000"/>
-              </a:srgbClr>
-            </a:outerShdw>
-          </a:effectLst>
-        </a:effectStyle>
-        <a:effectStyle>
-          <a:effectLst>
-            <a:outerShdw blurRad="40000" dist="23000" dir="5400000" rotWithShape="0">
-              <a:srgbClr val="000000">
-                <a:alpha val="35000"/>
-              </a:srgbClr>
-            </a:outerShdw>
-          </a:effectLst>
-        </a:effectStyle>
-        <a:effectStyle>
-          <a:effectLst>
-            <a:outerShdw blurRad="40000" dist="23000" dir="5400000" rotWithShape="0">
-              <a:srgbClr val="000000">
-                <a:alpha val="35000"/>
-              </a:srgbClr>
-            </a:outerShdw>
-          </a:effectLst>
-          <a:scene3d>
-            <a:camera prst="orthographicFront">
-              <a:rot lat="0" lon="0" rev="0"/>
-            </a:camera>
-            <a:lightRig rig="threePt" dir="t">
-              <a:rot lat="0" lon="0" rev="1200000"/>
-            </a:lightRig>
-          </a:scene3d>
-          <a:sp3d>
-            <a:bevelT w="63500" h="25400"/>
-          </a:sp3d>
-        </a:effectStyle>
-      </a:effectStyleLst>
-      <a:bgFillStyleLst>
-        <a:solidFill>
-          <a:schemeClr val="phClr"/>
-        </a:solidFill>
-        <a:gradFill rotWithShape="1">
-          <a:gsLst>
-            <a:gs pos="0">
-              <a:schemeClr val="phClr">
-                <a:tint val="40000"/>
-                <a:satMod val="350000"/>
-              </a:schemeClr>
-            </a:gs>
-            <a:gs pos="40000">
-              <a:schemeClr val="phClr">
-                <a:tint val="45000"/>
-                <a:shade val="99000"/>
-                <a:satMod val="350000"/>
-              </a:schemeClr>
-            </a:gs>
-            <a:gs pos="100000">
-              <a:schemeClr val="phClr">
-                <a:shade val="20000"/>
-                <a:satMod val="255000"/>
-              </a:schemeClr>
-            </a:gs>
-          </a:gsLst>
-          <a:path path="circle">
-            <a:fillToRect l="50000" t="-80000" r="50000" b="180000"/>
-          </a:path>
-        </a:gradFill>
-        <a:gradFill rotWithShape="1">
-          <a:gsLst>
-            <a:gs pos="0">
-              <a:schemeClr val="phClr">
-                <a:tint val="80000"/>
-                <a:satMod val="300000"/>
-              </a:schemeClr>
-            </a:gs>
-            <a:gs pos="100000">
-              <a:schemeClr val="phClr">
-                <a:shade val="30000"/>
-                <a:satMod val="200000"/>
-              </a:schemeClr>
-            </a:gs>
-          </a:gsLst>
-          <a:path path="circle">
-            <a:fillToRect l="50000" t="50000" r="50000" b="50000"/>
-          </a:path>
-        </a:gradFill>
-      </a:bgFillStyleLst>
-    </a:fmtScheme>
-  </a:themeElements>
-</a:theme>
 </file>